--- a/MatematicaPython.pptx
+++ b/MatematicaPython.pptx
@@ -5,7 +5,7 @@
     <p:sldMasterId id="2147483648" r:id="rId1"/>
   </p:sldMasterIdLst>
   <p:notesMasterIdLst>
-    <p:notesMasterId r:id="rId32"/>
+    <p:notesMasterId r:id="rId37"/>
   </p:notesMasterIdLst>
   <p:sldIdLst>
     <p:sldId id="256" r:id="rId2"/>
@@ -36,8 +36,13 @@
     <p:sldId id="473" r:id="rId27"/>
     <p:sldId id="474" r:id="rId28"/>
     <p:sldId id="438" r:id="rId29"/>
-    <p:sldId id="434" r:id="rId30"/>
-    <p:sldId id="433" r:id="rId31"/>
+    <p:sldId id="477" r:id="rId30"/>
+    <p:sldId id="478" r:id="rId31"/>
+    <p:sldId id="479" r:id="rId32"/>
+    <p:sldId id="480" r:id="rId33"/>
+    <p:sldId id="481" r:id="rId34"/>
+    <p:sldId id="434" r:id="rId35"/>
+    <p:sldId id="433" r:id="rId36"/>
   </p:sldIdLst>
   <p:sldSz cx="9144000" cy="6858000" type="screen4x3"/>
   <p:notesSz cx="9144000" cy="6858000"/>
@@ -526,7 +531,12 @@
             <p:ph type="sldImg" idx="2"/>
           </p:nvPr>
         </p:nvSpPr>
-        <p:spPr/>
+        <p:spPr>
+          <a:xfrm>
+            <a:off x="4938713" y="642938"/>
+            <a:ext cx="2314575" cy="1736725"/>
+          </a:xfrm>
+        </p:spPr>
       </p:sp>
       <p:sp>
         <p:nvSpPr>
@@ -9910,7 +9920,7 @@
         <p:spPr>
           <a:xfrm>
             <a:off x="533400" y="1266825"/>
-            <a:ext cx="8001000" cy="2245360"/>
+            <a:ext cx="8001000" cy="3046988"/>
           </a:xfrm>
           <a:prstGeom prst="rect">
             <a:avLst/>
@@ -9925,21 +9935,21 @@
           <a:p>
             <a:pPr algn="just"/>
             <a:r>
-              <a:rPr lang="pt-BR" altLang="en-US" sz="2800" dirty="0">
+              <a:rPr lang="pt-BR" altLang="en-US" sz="3200" dirty="0">
                 <a:latin typeface="Times New Roman" panose="02020603050405020304" pitchFamily="18" charset="0"/>
                 <a:cs typeface="Times New Roman" panose="02020603050405020304" pitchFamily="18" charset="0"/>
               </a:rPr>
               <a:t>A função usada na solução é a </a:t>
             </a:r>
             <a:r>
-              <a:rPr lang="pt-BR" altLang="en-US" sz="2800" i="1" dirty="0">
+              <a:rPr lang="pt-BR" altLang="en-US" sz="3200" i="1" dirty="0">
                 <a:latin typeface="Times New Roman" panose="02020603050405020304" pitchFamily="18" charset="0"/>
                 <a:cs typeface="Times New Roman" panose="02020603050405020304" pitchFamily="18" charset="0"/>
               </a:rPr>
               <a:t>solve</a:t>
             </a:r>
             <a:r>
-              <a:rPr lang="pt-BR" altLang="en-US" sz="2800" dirty="0">
+              <a:rPr lang="pt-BR" altLang="en-US" sz="3200" dirty="0">
                 <a:latin typeface="Times New Roman" panose="02020603050405020304" pitchFamily="18" charset="0"/>
                 <a:cs typeface="Times New Roman" panose="02020603050405020304" pitchFamily="18" charset="0"/>
               </a:rPr>
@@ -9948,7 +9958,7 @@
           </a:p>
           <a:p>
             <a:pPr algn="just"/>
-            <a:endParaRPr lang="pt-BR" altLang="en-US" sz="2800" dirty="0">
+            <a:endParaRPr lang="pt-BR" altLang="en-US" sz="3200" dirty="0">
               <a:latin typeface="Times New Roman" panose="02020603050405020304" pitchFamily="18" charset="0"/>
               <a:cs typeface="Times New Roman" panose="02020603050405020304" pitchFamily="18" charset="0"/>
             </a:endParaRPr>
@@ -10332,7 +10342,7 @@
 </file>
 
 <file path=ppt/slides/slide29.xml><?xml version="1.0" encoding="utf-8"?>
-<p:sld xmlns:a="http://schemas.openxmlformats.org/drawingml/2006/main" xmlns:r="http://schemas.openxmlformats.org/officeDocument/2006/relationships" xmlns:p="http://schemas.openxmlformats.org/presentationml/2006/main">
+<p:sld xmlns:a="http://schemas.openxmlformats.org/drawingml/2006/main" xmlns:r="http://schemas.openxmlformats.org/officeDocument/2006/relationships" xmlns:p="http://schemas.openxmlformats.org/presentationml/2006/main" showMasterSp="0">
   <p:cSld>
     <p:spTree>
       <p:nvGrpSpPr>
@@ -10350,7 +10360,7 @@
       </p:grpSpPr>
       <p:pic>
         <p:nvPicPr>
-          <p:cNvPr id="144" name="Image"/>
+          <p:cNvPr id="2375" name="Image"/>
           <p:cNvPicPr>
             <a:picLocks noChangeAspect="1"/>
           </p:cNvPicPr>
@@ -10371,7 +10381,7 @@
         <p:spPr>
           <a:xfrm>
             <a:off x="0" y="0"/>
-            <a:ext cx="9144000" cy="6858000"/>
+            <a:ext cx="9144000" cy="5143500"/>
           </a:xfrm>
           <a:prstGeom prst="rect">
             <a:avLst/>
@@ -10380,7 +10390,7 @@
       </p:pic>
       <p:pic>
         <p:nvPicPr>
-          <p:cNvPr id="145" name="Image"/>
+          <p:cNvPr id="2376" name="Image"/>
           <p:cNvPicPr>
             <a:picLocks noChangeAspect="1"/>
           </p:cNvPicPr>
@@ -10400,8 +10410,8 @@
         </p:blipFill>
         <p:spPr>
           <a:xfrm>
-            <a:off x="7356366" y="6755100"/>
-            <a:ext cx="893699" cy="102900"/>
+            <a:off x="0" y="0"/>
+            <a:ext cx="9144000" cy="3992700"/>
           </a:xfrm>
           <a:prstGeom prst="rect">
             <a:avLst/>
@@ -10410,7 +10420,7 @@
       </p:pic>
       <p:pic>
         <p:nvPicPr>
-          <p:cNvPr id="146" name="Image"/>
+          <p:cNvPr id="2377" name="Image"/>
           <p:cNvPicPr>
             <a:picLocks noChangeAspect="1"/>
           </p:cNvPicPr>
@@ -10430,8 +10440,8 @@
         </p:blipFill>
         <p:spPr>
           <a:xfrm>
-            <a:off x="8250312" y="6755100"/>
-            <a:ext cx="893688" cy="102900"/>
+            <a:off x="3047703" y="3992850"/>
+            <a:ext cx="3047699" cy="77100"/>
           </a:xfrm>
           <a:prstGeom prst="rect">
             <a:avLst/>
@@ -10440,7 +10450,7 @@
       </p:pic>
       <p:pic>
         <p:nvPicPr>
-          <p:cNvPr id="147" name="Image"/>
+          <p:cNvPr id="2378" name="Image"/>
           <p:cNvPicPr>
             <a:picLocks noChangeAspect="1"/>
           </p:cNvPicPr>
@@ -10460,8 +10470,8 @@
         </p:blipFill>
         <p:spPr>
           <a:xfrm>
-            <a:off x="0" y="6755100"/>
-            <a:ext cx="893699" cy="102900"/>
+            <a:off x="6096270" y="3992850"/>
+            <a:ext cx="3047700" cy="77100"/>
           </a:xfrm>
           <a:prstGeom prst="rect">
             <a:avLst/>
@@ -10470,7 +10480,7 @@
       </p:pic>
       <p:pic>
         <p:nvPicPr>
-          <p:cNvPr id="148" name="Image"/>
+          <p:cNvPr id="2379" name="Image"/>
           <p:cNvPicPr>
             <a:picLocks noChangeAspect="1"/>
           </p:cNvPicPr>
@@ -10490,8 +10500,8 @@
         </p:blipFill>
         <p:spPr>
           <a:xfrm>
-            <a:off x="893709" y="6755100"/>
-            <a:ext cx="6462600" cy="102900"/>
+            <a:off x="1" y="3992850"/>
+            <a:ext cx="3047700" cy="77100"/>
           </a:xfrm>
           <a:prstGeom prst="rect">
             <a:avLst/>
@@ -10500,7 +10510,7 @@
       </p:pic>
       <p:pic>
         <p:nvPicPr>
-          <p:cNvPr id="149" name="Image"/>
+          <p:cNvPr id="2380" name="Image"/>
           <p:cNvPicPr>
             <a:picLocks noChangeAspect="1"/>
           </p:cNvPicPr>
@@ -10520,8 +10530,8 @@
         </p:blipFill>
         <p:spPr>
           <a:xfrm>
-            <a:off x="893700" y="274650"/>
-            <a:ext cx="6462600" cy="1143000"/>
+            <a:off x="793525" y="2862581"/>
+            <a:ext cx="7772400" cy="820800"/>
           </a:xfrm>
           <a:prstGeom prst="rect">
             <a:avLst/>
@@ -10536,8 +10546,8 @@
         </p:nvSpPr>
         <p:spPr>
           <a:xfrm>
-            <a:off x="979425" y="895679"/>
-            <a:ext cx="4178935" cy="461645"/>
+            <a:off x="793525" y="2727119"/>
+            <a:ext cx="7915628" cy="738664"/>
           </a:xfrm>
           <a:prstGeom prst="rect">
             <a:avLst/>
@@ -10555,16 +10565,46 @@
               </a:lnSpc>
             </a:pPr>
             <a:r>
-              <a:rPr sz="3000" b="1" spc="10" dirty="0">
+              <a:rPr lang="en-US" sz="4800" spc="10" dirty="0" err="1">
                 <a:solidFill>
-                  <a:srgbClr val="97ABBC"/>
+                  <a:srgbClr val="FFFFFF"/>
                 </a:solidFill>
                 <a:latin typeface="Arial" panose="020B0604020202020204"/>
                 <a:cs typeface="Arial" panose="020B0604020202020204"/>
               </a:rPr>
-              <a:t>Material complementar</a:t>
-            </a:r>
-            <a:endParaRPr sz="3000" b="1">
+              <a:t>Cálculo</a:t>
+            </a:r>
+            <a:r>
+              <a:rPr lang="en-US" sz="4800" spc="10" dirty="0">
+                <a:solidFill>
+                  <a:srgbClr val="FFFFFF"/>
+                </a:solidFill>
+                <a:latin typeface="Arial" panose="020B0604020202020204"/>
+                <a:cs typeface="Arial" panose="020B0604020202020204"/>
+              </a:rPr>
+              <a:t> </a:t>
+            </a:r>
+            <a:r>
+              <a:rPr lang="en-US" sz="4800" spc="10" dirty="0" err="1">
+                <a:solidFill>
+                  <a:srgbClr val="FFFFFF"/>
+                </a:solidFill>
+                <a:latin typeface="Arial" panose="020B0604020202020204"/>
+                <a:cs typeface="Arial" panose="020B0604020202020204"/>
+              </a:rPr>
+              <a:t>Diferencial</a:t>
+            </a:r>
+            <a:r>
+              <a:rPr lang="en-US" sz="4800" spc="10" dirty="0">
+                <a:solidFill>
+                  <a:srgbClr val="FFFFFF"/>
+                </a:solidFill>
+                <a:latin typeface="Arial" panose="020B0604020202020204"/>
+                <a:cs typeface="Arial" panose="020B0604020202020204"/>
+              </a:rPr>
+              <a:t> e Integral</a:t>
+            </a:r>
+            <a:endParaRPr sz="4800" dirty="0">
               <a:latin typeface="Arial" panose="020B0604020202020204"/>
               <a:cs typeface="Arial" panose="020B0604020202020204"/>
             </a:endParaRPr>
@@ -10573,7 +10613,7 @@
       </p:sp>
       <p:pic>
         <p:nvPicPr>
-          <p:cNvPr id="150" name="Image"/>
+          <p:cNvPr id="2381" name="Image"/>
           <p:cNvPicPr>
             <a:picLocks noChangeAspect="1"/>
           </p:cNvPicPr>
@@ -10593,111 +10633,47 @@
         </p:blipFill>
         <p:spPr>
           <a:xfrm>
-            <a:off x="893700" y="1973225"/>
-            <a:ext cx="6462600" cy="4736400"/>
+            <a:off x="6525075" y="0"/>
+            <a:ext cx="1964202" cy="1964203"/>
           </a:xfrm>
           <a:prstGeom prst="rect">
             <a:avLst/>
           </a:prstGeom>
         </p:spPr>
       </p:pic>
-      <p:sp>
-        <p:nvSpPr>
-          <p:cNvPr id="3" name="text 1"/>
-          <p:cNvSpPr txBox="1"/>
-          <p:nvPr/>
-        </p:nvSpPr>
-        <p:spPr>
-          <a:xfrm>
-            <a:off x="1069949" y="2170583"/>
-            <a:ext cx="5668645" cy="276860"/>
-          </a:xfrm>
-          <a:prstGeom prst="rect">
-            <a:avLst/>
-          </a:prstGeom>
-        </p:spPr>
-        <p:txBody>
-          <a:bodyPr vert="horz" wrap="none" lIns="0" tIns="0" rIns="0" bIns="0" rtlCol="0">
-            <a:spAutoFit/>
-          </a:bodyPr>
-          <a:lstStyle/>
-          <a:p>
-            <a:pPr marL="0">
-              <a:lnSpc>
-                <a:spcPct val="100000"/>
-              </a:lnSpc>
-            </a:pPr>
-            <a:r>
-              <a:rPr spc="10" dirty="0">
-                <a:solidFill>
-                  <a:srgbClr val="677480"/>
-                </a:solidFill>
-                <a:latin typeface="Arial" panose="020B0604020202020204"/>
-                <a:cs typeface="Arial" panose="020B0604020202020204"/>
-              </a:rPr>
-              <a:t>●   Texto: Por que programar é o novo ‘aprender inglês’</a:t>
-            </a:r>
-          </a:p>
-        </p:txBody>
-      </p:sp>
-      <p:sp>
-        <p:nvSpPr>
-          <p:cNvPr id="4" name="text 1"/>
-          <p:cNvSpPr txBox="1"/>
-          <p:nvPr/>
-        </p:nvSpPr>
-        <p:spPr>
-          <a:xfrm>
-            <a:off x="1527149" y="2580158"/>
-            <a:ext cx="5500370" cy="276860"/>
-          </a:xfrm>
-          <a:prstGeom prst="rect">
-            <a:avLst/>
-          </a:prstGeom>
-        </p:spPr>
-        <p:txBody>
-          <a:bodyPr vert="horz" wrap="none" lIns="0" tIns="0" rIns="0" bIns="0" rtlCol="0">
-            <a:spAutoFit/>
-          </a:bodyPr>
-          <a:lstStyle/>
-          <a:p>
-            <a:pPr marL="0">
-              <a:lnSpc>
-                <a:spcPct val="100000"/>
-              </a:lnSpc>
-            </a:pPr>
-            <a:r>
-              <a:rPr spc="10" dirty="0">
-                <a:solidFill>
-                  <a:srgbClr val="677480"/>
-                </a:solidFill>
-                <a:latin typeface="Arial" panose="020B0604020202020204"/>
-                <a:cs typeface="Arial" panose="020B0604020202020204"/>
-              </a:rPr>
-              <a:t>○   </a:t>
-            </a:r>
-            <a:r>
-              <a:rPr spc="10" dirty="0">
-                <a:solidFill>
-                  <a:srgbClr val="1155CC"/>
-                </a:solidFill>
-                <a:latin typeface="Arial" panose="020B0604020202020204"/>
-                <a:cs typeface="Arial" panose="020B0604020202020204"/>
-              </a:rPr>
-              <a:t>https://www.nexojornal.com.br/expresso/2017/04/0</a:t>
-            </a:r>
-            <a:endParaRPr>
-              <a:latin typeface="Arial" panose="020B0604020202020204"/>
-              <a:cs typeface="Arial" panose="020B0604020202020204"/>
-            </a:endParaRPr>
-          </a:p>
-        </p:txBody>
-      </p:sp>
       <p:pic>
         <p:nvPicPr>
-          <p:cNvPr id="151" name="Image">
-            <a:hlinkClick r:id="rId9"/>
-          </p:cNvPr>
+          <p:cNvPr id="2382" name="Image"/>
+          <p:cNvPicPr>
+            <a:picLocks noChangeAspect="1"/>
+          </p:cNvPicPr>
+          <p:nvPr/>
+        </p:nvPicPr>
+        <p:blipFill>
+          <a:blip r:embed="rId9">
+            <a:extLst>
+              <a:ext uri="{28A0092B-C50C-407E-A947-70E740481C1C}">
+                <a14:useLocalDpi xmlns:a14="http://schemas.microsoft.com/office/drawing/2010/main" val="0"/>
+              </a:ext>
+            </a:extLst>
+          </a:blip>
+          <a:stretch>
+            <a:fillRect/>
+          </a:stretch>
+        </p:blipFill>
+        <p:spPr>
+          <a:xfrm>
+            <a:off x="7086600" y="0"/>
+            <a:ext cx="1964203" cy="1964203"/>
+          </a:xfrm>
+          <a:prstGeom prst="rect">
+            <a:avLst/>
+          </a:prstGeom>
+        </p:spPr>
+      </p:pic>
+      <p:pic>
+        <p:nvPicPr>
+          <p:cNvPr id="2383" name="Image"/>
           <p:cNvPicPr>
             <a:picLocks noChangeAspect="1"/>
           </p:cNvPicPr>
@@ -10717,529 +10693,8 @@
         </p:blipFill>
         <p:spPr>
           <a:xfrm>
-            <a:off x="1893825" y="2782469"/>
-            <a:ext cx="5299214" cy="13716"/>
-          </a:xfrm>
-          <a:prstGeom prst="rect">
-            <a:avLst/>
-          </a:prstGeom>
-        </p:spPr>
-      </p:pic>
-      <p:sp>
-        <p:nvSpPr>
-          <p:cNvPr id="5" name="text 1"/>
-          <p:cNvSpPr txBox="1"/>
-          <p:nvPr/>
-        </p:nvSpPr>
-        <p:spPr>
-          <a:xfrm>
-            <a:off x="1893825" y="2989733"/>
-            <a:ext cx="5392420" cy="276860"/>
-          </a:xfrm>
-          <a:prstGeom prst="rect">
-            <a:avLst/>
-          </a:prstGeom>
-        </p:spPr>
-        <p:txBody>
-          <a:bodyPr vert="horz" wrap="none" lIns="0" tIns="0" rIns="0" bIns="0" rtlCol="0">
-            <a:spAutoFit/>
-          </a:bodyPr>
-          <a:lstStyle/>
-          <a:p>
-            <a:pPr marL="0">
-              <a:lnSpc>
-                <a:spcPct val="100000"/>
-              </a:lnSpc>
-            </a:pPr>
-            <a:r>
-              <a:rPr spc="10" dirty="0">
-                <a:solidFill>
-                  <a:srgbClr val="1155CC"/>
-                </a:solidFill>
-                <a:latin typeface="Arial" panose="020B0604020202020204"/>
-                <a:cs typeface="Arial" panose="020B0604020202020204"/>
-              </a:rPr>
-              <a:t>2/Por-que-programar-%C3%A9-o-novo-aprender-ing</a:t>
-            </a:r>
-          </a:p>
-        </p:txBody>
-      </p:sp>
-      <p:pic>
-        <p:nvPicPr>
-          <p:cNvPr id="153" name="Image">
-            <a:hlinkClick r:id="rId9"/>
-          </p:cNvPr>
-          <p:cNvPicPr>
-            <a:picLocks noChangeAspect="1"/>
-          </p:cNvPicPr>
-          <p:nvPr/>
-        </p:nvPicPr>
-        <p:blipFill>
-          <a:blip r:embed="rId11">
-            <a:extLst>
-              <a:ext uri="{28A0092B-C50C-407E-A947-70E740481C1C}">
-                <a14:useLocalDpi xmlns:a14="http://schemas.microsoft.com/office/drawing/2010/main" val="0"/>
-              </a:ext>
-            </a:extLst>
-          </a:blip>
-          <a:stretch>
-            <a:fillRect/>
-          </a:stretch>
-        </p:blipFill>
-        <p:spPr>
-          <a:xfrm>
-            <a:off x="1893825" y="3192044"/>
-            <a:ext cx="5357967" cy="13716"/>
-          </a:xfrm>
-          <a:prstGeom prst="rect">
-            <a:avLst/>
-          </a:prstGeom>
-        </p:spPr>
-      </p:pic>
-      <p:sp>
-        <p:nvSpPr>
-          <p:cNvPr id="6" name="text 1"/>
-          <p:cNvSpPr txBox="1"/>
-          <p:nvPr/>
-        </p:nvSpPr>
-        <p:spPr>
-          <a:xfrm>
-            <a:off x="1893825" y="3399308"/>
-            <a:ext cx="1178560" cy="276860"/>
-          </a:xfrm>
-          <a:prstGeom prst="rect">
-            <a:avLst/>
-          </a:prstGeom>
-        </p:spPr>
-        <p:txBody>
-          <a:bodyPr vert="horz" wrap="none" lIns="0" tIns="0" rIns="0" bIns="0" rtlCol="0">
-            <a:spAutoFit/>
-          </a:bodyPr>
-          <a:lstStyle/>
-          <a:p>
-            <a:pPr marL="0">
-              <a:lnSpc>
-                <a:spcPct val="100000"/>
-              </a:lnSpc>
-            </a:pPr>
-            <a:r>
-              <a:rPr spc="10" dirty="0">
-                <a:solidFill>
-                  <a:srgbClr val="1155CC"/>
-                </a:solidFill>
-                <a:latin typeface="Arial" panose="020B0604020202020204"/>
-                <a:cs typeface="Arial" panose="020B0604020202020204"/>
-              </a:rPr>
-              <a:t>l%C3%AAs</a:t>
-            </a:r>
-          </a:p>
-        </p:txBody>
-      </p:sp>
-      <p:pic>
-        <p:nvPicPr>
-          <p:cNvPr id="155" name="Image">
-            <a:hlinkClick r:id="rId9"/>
-          </p:cNvPr>
-          <p:cNvPicPr>
-            <a:picLocks noChangeAspect="1"/>
-          </p:cNvPicPr>
-          <p:nvPr/>
-        </p:nvPicPr>
-        <p:blipFill>
-          <a:blip r:embed="rId12">
-            <a:extLst>
-              <a:ext uri="{28A0092B-C50C-407E-A947-70E740481C1C}">
-                <a14:useLocalDpi xmlns:a14="http://schemas.microsoft.com/office/drawing/2010/main" val="0"/>
-              </a:ext>
-            </a:extLst>
-          </a:blip>
-          <a:stretch>
-            <a:fillRect/>
-          </a:stretch>
-        </p:blipFill>
-        <p:spPr>
-          <a:xfrm>
-            <a:off x="1893825" y="3601619"/>
-            <a:ext cx="1117175" cy="13716"/>
-          </a:xfrm>
-          <a:prstGeom prst="rect">
-            <a:avLst/>
-          </a:prstGeom>
-        </p:spPr>
-      </p:pic>
-      <p:sp>
-        <p:nvSpPr>
-          <p:cNvPr id="7" name="text 1"/>
-          <p:cNvSpPr txBox="1"/>
-          <p:nvPr/>
-        </p:nvSpPr>
-        <p:spPr>
-          <a:xfrm>
-            <a:off x="1069949" y="3808883"/>
-            <a:ext cx="5960745" cy="276860"/>
-          </a:xfrm>
-          <a:prstGeom prst="rect">
-            <a:avLst/>
-          </a:prstGeom>
-        </p:spPr>
-        <p:txBody>
-          <a:bodyPr vert="horz" wrap="none" lIns="0" tIns="0" rIns="0" bIns="0" rtlCol="0">
-            <a:spAutoFit/>
-          </a:bodyPr>
-          <a:lstStyle/>
-          <a:p>
-            <a:pPr marL="0">
-              <a:lnSpc>
-                <a:spcPct val="100000"/>
-              </a:lnSpc>
-            </a:pPr>
-            <a:r>
-              <a:rPr spc="10" dirty="0">
-                <a:solidFill>
-                  <a:srgbClr val="677480"/>
-                </a:solidFill>
-                <a:latin typeface="Arial" panose="020B0604020202020204"/>
-                <a:cs typeface="Arial" panose="020B0604020202020204"/>
-              </a:rPr>
-              <a:t>●   Vídeo: Por que todos deveriam aprender a programar?</a:t>
-            </a:r>
-          </a:p>
-        </p:txBody>
-      </p:sp>
-      <p:sp>
-        <p:nvSpPr>
-          <p:cNvPr id="8" name="text 1"/>
-          <p:cNvSpPr txBox="1"/>
-          <p:nvPr/>
-        </p:nvSpPr>
-        <p:spPr>
-          <a:xfrm>
-            <a:off x="1527149" y="4218458"/>
-            <a:ext cx="5513070" cy="276860"/>
-          </a:xfrm>
-          <a:prstGeom prst="rect">
-            <a:avLst/>
-          </a:prstGeom>
-        </p:spPr>
-        <p:txBody>
-          <a:bodyPr vert="horz" wrap="none" lIns="0" tIns="0" rIns="0" bIns="0" rtlCol="0">
-            <a:spAutoFit/>
-          </a:bodyPr>
-          <a:lstStyle/>
-          <a:p>
-            <a:pPr marL="0">
-              <a:lnSpc>
-                <a:spcPct val="100000"/>
-              </a:lnSpc>
-            </a:pPr>
-            <a:r>
-              <a:rPr spc="10" dirty="0">
-                <a:solidFill>
-                  <a:srgbClr val="677480"/>
-                </a:solidFill>
-                <a:latin typeface="Arial" panose="020B0604020202020204"/>
-                <a:cs typeface="Arial" panose="020B0604020202020204"/>
-              </a:rPr>
-              <a:t>○   </a:t>
-            </a:r>
-            <a:r>
-              <a:rPr spc="10" dirty="0">
-                <a:solidFill>
-                  <a:srgbClr val="1155CC"/>
-                </a:solidFill>
-                <a:latin typeface="Arial" panose="020B0604020202020204"/>
-                <a:cs typeface="Arial" panose="020B0604020202020204"/>
-              </a:rPr>
-              <a:t>https://www.youtube.com/watch?v=mHW1Hsqlp6A</a:t>
-            </a:r>
-            <a:endParaRPr>
-              <a:latin typeface="Arial" panose="020B0604020202020204"/>
-              <a:cs typeface="Arial" panose="020B0604020202020204"/>
-            </a:endParaRPr>
-          </a:p>
-        </p:txBody>
-      </p:sp>
-      <p:pic>
-        <p:nvPicPr>
-          <p:cNvPr id="157" name="Image">
-            <a:hlinkClick r:id="rId13"/>
-          </p:cNvPr>
-          <p:cNvPicPr>
-            <a:picLocks noChangeAspect="1"/>
-          </p:cNvPicPr>
-          <p:nvPr/>
-        </p:nvPicPr>
-        <p:blipFill>
-          <a:blip r:embed="rId14">
-            <a:extLst>
-              <a:ext uri="{28A0092B-C50C-407E-A947-70E740481C1C}">
-                <a14:useLocalDpi xmlns:a14="http://schemas.microsoft.com/office/drawing/2010/main" val="0"/>
-              </a:ext>
-            </a:extLst>
-          </a:blip>
-          <a:stretch>
-            <a:fillRect/>
-          </a:stretch>
-        </p:blipFill>
-        <p:spPr>
-          <a:xfrm>
-            <a:off x="1893825" y="4420769"/>
-            <a:ext cx="5260809" cy="13716"/>
-          </a:xfrm>
-          <a:prstGeom prst="rect">
-            <a:avLst/>
-          </a:prstGeom>
-        </p:spPr>
-      </p:pic>
-      <p:pic>
-        <p:nvPicPr>
-          <p:cNvPr id="159" name="Image"/>
-          <p:cNvPicPr>
-            <a:picLocks noChangeAspect="1"/>
-          </p:cNvPicPr>
-          <p:nvPr/>
-        </p:nvPicPr>
-        <p:blipFill>
-          <a:blip r:embed="rId15">
-            <a:extLst>
-              <a:ext uri="{28A0092B-C50C-407E-A947-70E740481C1C}">
-                <a14:useLocalDpi xmlns:a14="http://schemas.microsoft.com/office/drawing/2010/main" val="0"/>
-              </a:ext>
-            </a:extLst>
-          </a:blip>
-          <a:stretch>
-            <a:fillRect/>
-          </a:stretch>
-        </p:blipFill>
-        <p:spPr>
-          <a:xfrm>
-            <a:off x="3815225" y="4592600"/>
-            <a:ext cx="2752821" cy="274320"/>
-          </a:xfrm>
-          <a:prstGeom prst="rect">
-            <a:avLst/>
-          </a:prstGeom>
-        </p:spPr>
-      </p:pic>
-      <p:sp>
-        <p:nvSpPr>
-          <p:cNvPr id="9" name="text 1"/>
-          <p:cNvSpPr txBox="1"/>
-          <p:nvPr/>
-        </p:nvSpPr>
-        <p:spPr>
-          <a:xfrm>
-            <a:off x="1069949" y="4628033"/>
-            <a:ext cx="5767705" cy="276860"/>
-          </a:xfrm>
-          <a:prstGeom prst="rect">
-            <a:avLst/>
-          </a:prstGeom>
-        </p:spPr>
-        <p:txBody>
-          <a:bodyPr vert="horz" wrap="none" lIns="0" tIns="0" rIns="0" bIns="0" rtlCol="0">
-            <a:spAutoFit/>
-          </a:bodyPr>
-          <a:lstStyle/>
-          <a:p>
-            <a:pPr marL="0">
-              <a:lnSpc>
-                <a:spcPct val="100000"/>
-              </a:lnSpc>
-            </a:pPr>
-            <a:r>
-              <a:rPr spc="10" dirty="0">
-                <a:solidFill>
-                  <a:srgbClr val="677480"/>
-                </a:solidFill>
-                <a:latin typeface="Arial" panose="020B0604020202020204"/>
-                <a:cs typeface="Arial" panose="020B0604020202020204"/>
-              </a:rPr>
-              <a:t>●   Vídeo: Curso em Vídeo: Curso Python #01 - Seja um</a:t>
-            </a:r>
-          </a:p>
-        </p:txBody>
-      </p:sp>
-      <p:pic>
-        <p:nvPicPr>
-          <p:cNvPr id="160" name="Image"/>
-          <p:cNvPicPr>
-            <a:picLocks noChangeAspect="1"/>
-          </p:cNvPicPr>
-          <p:nvPr/>
-        </p:nvPicPr>
-        <p:blipFill>
-          <a:blip r:embed="rId16">
-            <a:extLst>
-              <a:ext uri="{28A0092B-C50C-407E-A947-70E740481C1C}">
-                <a14:useLocalDpi xmlns:a14="http://schemas.microsoft.com/office/drawing/2010/main" val="0"/>
-              </a:ext>
-            </a:extLst>
-          </a:blip>
-          <a:stretch>
-            <a:fillRect/>
-          </a:stretch>
-        </p:blipFill>
-        <p:spPr>
-          <a:xfrm>
-            <a:off x="1436625" y="5002175"/>
-            <a:ext cx="1334348" cy="274320"/>
-          </a:xfrm>
-          <a:prstGeom prst="rect">
-            <a:avLst/>
-          </a:prstGeom>
-        </p:spPr>
-      </p:pic>
-      <p:sp>
-        <p:nvSpPr>
-          <p:cNvPr id="10" name="text 1"/>
-          <p:cNvSpPr txBox="1"/>
-          <p:nvPr/>
-        </p:nvSpPr>
-        <p:spPr>
-          <a:xfrm>
-            <a:off x="1436625" y="5037608"/>
-            <a:ext cx="1347470" cy="276860"/>
-          </a:xfrm>
-          <a:prstGeom prst="rect">
-            <a:avLst/>
-          </a:prstGeom>
-        </p:spPr>
-        <p:txBody>
-          <a:bodyPr vert="horz" wrap="none" lIns="0" tIns="0" rIns="0" bIns="0" rtlCol="0">
-            <a:spAutoFit/>
-          </a:bodyPr>
-          <a:lstStyle/>
-          <a:p>
-            <a:pPr marL="0">
-              <a:lnSpc>
-                <a:spcPct val="100000"/>
-              </a:lnSpc>
-            </a:pPr>
-            <a:r>
-              <a:rPr spc="10" dirty="0">
-                <a:solidFill>
-                  <a:srgbClr val="677480"/>
-                </a:solidFill>
-                <a:latin typeface="Arial" panose="020B0604020202020204"/>
-                <a:cs typeface="Arial" panose="020B0604020202020204"/>
-              </a:rPr>
-              <a:t>Programador</a:t>
-            </a:r>
-          </a:p>
-        </p:txBody>
-      </p:sp>
-      <p:pic>
-        <p:nvPicPr>
-          <p:cNvPr id="161" name="Image">
-            <a:hlinkClick r:id="rId17"/>
-          </p:cNvPr>
-          <p:cNvPicPr>
-            <a:picLocks noChangeAspect="1"/>
-          </p:cNvPicPr>
-          <p:nvPr/>
-        </p:nvPicPr>
-        <p:blipFill>
-          <a:blip r:embed="rId18">
-            <a:extLst>
-              <a:ext uri="{28A0092B-C50C-407E-A947-70E740481C1C}">
-                <a14:useLocalDpi xmlns:a14="http://schemas.microsoft.com/office/drawing/2010/main" val="0"/>
-              </a:ext>
-            </a:extLst>
-          </a:blip>
-          <a:stretch>
-            <a:fillRect/>
-          </a:stretch>
-        </p:blipFill>
-        <p:spPr>
-          <a:xfrm>
-            <a:off x="1527149" y="5411750"/>
-            <a:ext cx="5536501" cy="274320"/>
-          </a:xfrm>
-          <a:prstGeom prst="rect">
-            <a:avLst/>
-          </a:prstGeom>
-        </p:spPr>
-      </p:pic>
-      <p:sp>
-        <p:nvSpPr>
-          <p:cNvPr id="11" name="text 1"/>
-          <p:cNvSpPr txBox="1"/>
-          <p:nvPr/>
-        </p:nvSpPr>
-        <p:spPr>
-          <a:xfrm>
-            <a:off x="1527149" y="5447183"/>
-            <a:ext cx="5525770" cy="276860"/>
-          </a:xfrm>
-          <a:prstGeom prst="rect">
-            <a:avLst/>
-          </a:prstGeom>
-        </p:spPr>
-        <p:txBody>
-          <a:bodyPr vert="horz" wrap="none" lIns="0" tIns="0" rIns="0" bIns="0" rtlCol="0">
-            <a:spAutoFit/>
-          </a:bodyPr>
-          <a:lstStyle/>
-          <a:p>
-            <a:pPr marL="0">
-              <a:lnSpc>
-                <a:spcPct val="100000"/>
-              </a:lnSpc>
-            </a:pPr>
-            <a:r>
-              <a:rPr spc="10" dirty="0">
-                <a:solidFill>
-                  <a:srgbClr val="677480"/>
-                </a:solidFill>
-                <a:latin typeface="Arial" panose="020B0604020202020204"/>
-                <a:cs typeface="Arial" panose="020B0604020202020204"/>
-              </a:rPr>
-              <a:t>○   </a:t>
-            </a:r>
-            <a:r>
-              <a:rPr spc="10" dirty="0">
-                <a:solidFill>
-                  <a:srgbClr val="1155CC"/>
-                </a:solidFill>
-                <a:latin typeface="Arial" panose="020B0604020202020204"/>
-                <a:cs typeface="Arial" panose="020B0604020202020204"/>
-              </a:rPr>
-              <a:t>https://www.youtube.com/watch?v=S9uPNppGsGo</a:t>
-            </a:r>
-            <a:endParaRPr>
-              <a:latin typeface="Arial" panose="020B0604020202020204"/>
-              <a:cs typeface="Arial" panose="020B0604020202020204"/>
-            </a:endParaRPr>
-          </a:p>
-        </p:txBody>
-      </p:sp>
-      <p:pic>
-        <p:nvPicPr>
-          <p:cNvPr id="163" name="Image">
-            <a:hlinkClick r:id="rId17"/>
-          </p:cNvPr>
-          <p:cNvPicPr>
-            <a:picLocks noChangeAspect="1"/>
-          </p:cNvPicPr>
-          <p:nvPr/>
-        </p:nvPicPr>
-        <p:blipFill>
-          <a:blip r:embed="rId19">
-            <a:extLst>
-              <a:ext uri="{28A0092B-C50C-407E-A947-70E740481C1C}">
-                <a14:useLocalDpi xmlns:a14="http://schemas.microsoft.com/office/drawing/2010/main" val="0"/>
-              </a:ext>
-            </a:extLst>
-          </a:blip>
-          <a:stretch>
-            <a:fillRect/>
-          </a:stretch>
-        </p:blipFill>
-        <p:spPr>
-          <a:xfrm>
-            <a:off x="1893825" y="5649495"/>
-            <a:ext cx="5169826" cy="13715"/>
+            <a:off x="2826037" y="843251"/>
+            <a:ext cx="3491925" cy="1964199"/>
           </a:xfrm>
           <a:prstGeom prst="rect">
             <a:avLst/>
@@ -11247,6 +10702,11 @@
         </p:spPr>
       </p:pic>
     </p:spTree>
+    <p:extLst>
+      <p:ext uri="{BB962C8B-B14F-4D97-AF65-F5344CB8AC3E}">
+        <p14:creationId xmlns:p14="http://schemas.microsoft.com/office/powerpoint/2010/main" val="2051236031"/>
+      </p:ext>
+    </p:extLst>
   </p:cSld>
   <p:clrMapOvr>
     <a:masterClrMapping/>
@@ -11605,6 +11065,2624 @@
 </file>
 
 <file path=ppt/slides/slide30.xml><?xml version="1.0" encoding="utf-8"?>
+<p:sld xmlns:a="http://schemas.openxmlformats.org/drawingml/2006/main" xmlns:r="http://schemas.openxmlformats.org/officeDocument/2006/relationships" xmlns:p="http://schemas.openxmlformats.org/presentationml/2006/main">
+  <p:cSld>
+    <p:spTree>
+      <p:nvGrpSpPr>
+        <p:cNvPr id="1" name=""/>
+        <p:cNvGrpSpPr/>
+        <p:nvPr/>
+      </p:nvGrpSpPr>
+      <p:grpSpPr>
+        <a:xfrm>
+          <a:off x="0" y="0"/>
+          <a:ext cx="0" cy="0"/>
+          <a:chOff x="0" y="0"/>
+          <a:chExt cx="0" cy="0"/>
+        </a:xfrm>
+      </p:grpSpPr>
+      <p:sp>
+        <p:nvSpPr>
+          <p:cNvPr id="2" name="CaixaDeTexto 1">
+            <a:extLst>
+              <a:ext uri="{FF2B5EF4-FFF2-40B4-BE49-F238E27FC236}">
+                <a16:creationId xmlns:a16="http://schemas.microsoft.com/office/drawing/2014/main" id="{3B312FDC-516D-4DC9-9F35-740B34D4B424}"/>
+              </a:ext>
+            </a:extLst>
+          </p:cNvPr>
+          <p:cNvSpPr txBox="1"/>
+          <p:nvPr/>
+        </p:nvSpPr>
+        <p:spPr>
+          <a:xfrm>
+            <a:off x="746760" y="1163955"/>
+            <a:ext cx="7772400" cy="4524315"/>
+          </a:xfrm>
+          <a:prstGeom prst="rect">
+            <a:avLst/>
+          </a:prstGeom>
+          <a:noFill/>
+        </p:spPr>
+        <p:txBody>
+          <a:bodyPr wrap="square" rtlCol="0">
+            <a:spAutoFit/>
+          </a:bodyPr>
+          <a:lstStyle/>
+          <a:p>
+            <a:pPr algn="just"/>
+            <a:r>
+              <a:rPr lang="en-US" sz="3200" dirty="0">
+                <a:latin typeface="Times New Roman" panose="02020603050405020304" pitchFamily="18" charset="0"/>
+                <a:cs typeface="Times New Roman" panose="02020603050405020304" pitchFamily="18" charset="0"/>
+              </a:rPr>
+              <a:t>Para o </a:t>
+            </a:r>
+            <a:r>
+              <a:rPr lang="en-US" sz="3200" dirty="0" err="1">
+                <a:latin typeface="Times New Roman" panose="02020603050405020304" pitchFamily="18" charset="0"/>
+                <a:cs typeface="Times New Roman" panose="02020603050405020304" pitchFamily="18" charset="0"/>
+              </a:rPr>
+              <a:t>cálculo</a:t>
+            </a:r>
+            <a:r>
+              <a:rPr lang="en-US" sz="3200" dirty="0">
+                <a:latin typeface="Times New Roman" panose="02020603050405020304" pitchFamily="18" charset="0"/>
+                <a:cs typeface="Times New Roman" panose="02020603050405020304" pitchFamily="18" charset="0"/>
+              </a:rPr>
+              <a:t> de </a:t>
+            </a:r>
+            <a:r>
+              <a:rPr lang="en-US" sz="3200" dirty="0" err="1">
+                <a:latin typeface="Times New Roman" panose="02020603050405020304" pitchFamily="18" charset="0"/>
+                <a:cs typeface="Times New Roman" panose="02020603050405020304" pitchFamily="18" charset="0"/>
+              </a:rPr>
+              <a:t>limite</a:t>
+            </a:r>
+            <a:r>
+              <a:rPr lang="en-US" sz="3200" dirty="0">
+                <a:latin typeface="Times New Roman" panose="02020603050405020304" pitchFamily="18" charset="0"/>
+                <a:cs typeface="Times New Roman" panose="02020603050405020304" pitchFamily="18" charset="0"/>
+              </a:rPr>
+              <a:t>, </a:t>
+            </a:r>
+            <a:r>
+              <a:rPr lang="en-US" sz="3200" dirty="0" err="1">
+                <a:latin typeface="Times New Roman" panose="02020603050405020304" pitchFamily="18" charset="0"/>
+                <a:cs typeface="Times New Roman" panose="02020603050405020304" pitchFamily="18" charset="0"/>
+              </a:rPr>
+              <a:t>pode</a:t>
+            </a:r>
+            <a:r>
+              <a:rPr lang="en-US" sz="3200" dirty="0">
+                <a:latin typeface="Times New Roman" panose="02020603050405020304" pitchFamily="18" charset="0"/>
+                <a:cs typeface="Times New Roman" panose="02020603050405020304" pitchFamily="18" charset="0"/>
+              </a:rPr>
+              <a:t> ser </a:t>
+            </a:r>
+            <a:r>
+              <a:rPr lang="en-US" sz="3200" dirty="0" err="1">
+                <a:latin typeface="Times New Roman" panose="02020603050405020304" pitchFamily="18" charset="0"/>
+                <a:cs typeface="Times New Roman" panose="02020603050405020304" pitchFamily="18" charset="0"/>
+              </a:rPr>
+              <a:t>usada</a:t>
+            </a:r>
+            <a:r>
+              <a:rPr lang="en-US" sz="3200" dirty="0">
+                <a:latin typeface="Times New Roman" panose="02020603050405020304" pitchFamily="18" charset="0"/>
+                <a:cs typeface="Times New Roman" panose="02020603050405020304" pitchFamily="18" charset="0"/>
+              </a:rPr>
+              <a:t> a </a:t>
+            </a:r>
+            <a:r>
+              <a:rPr lang="en-US" sz="3200" dirty="0" err="1">
+                <a:latin typeface="Times New Roman" panose="02020603050405020304" pitchFamily="18" charset="0"/>
+                <a:cs typeface="Times New Roman" panose="02020603050405020304" pitchFamily="18" charset="0"/>
+              </a:rPr>
+              <a:t>função</a:t>
+            </a:r>
+            <a:r>
+              <a:rPr lang="en-US" sz="3200" dirty="0">
+                <a:latin typeface="Times New Roman" panose="02020603050405020304" pitchFamily="18" charset="0"/>
+                <a:cs typeface="Times New Roman" panose="02020603050405020304" pitchFamily="18" charset="0"/>
+              </a:rPr>
+              <a:t> </a:t>
+            </a:r>
+            <a:r>
+              <a:rPr lang="en-US" sz="3200" i="1" dirty="0">
+                <a:latin typeface="Times New Roman" panose="02020603050405020304" pitchFamily="18" charset="0"/>
+                <a:cs typeface="Times New Roman" panose="02020603050405020304" pitchFamily="18" charset="0"/>
+              </a:rPr>
+              <a:t>limit</a:t>
+            </a:r>
+            <a:r>
+              <a:rPr lang="en-US" sz="3200" dirty="0">
+                <a:latin typeface="Times New Roman" panose="02020603050405020304" pitchFamily="18" charset="0"/>
+                <a:cs typeface="Times New Roman" panose="02020603050405020304" pitchFamily="18" charset="0"/>
+              </a:rPr>
+              <a:t> da </a:t>
+            </a:r>
+            <a:r>
+              <a:rPr lang="en-US" sz="3200" dirty="0" err="1">
+                <a:latin typeface="Times New Roman" panose="02020603050405020304" pitchFamily="18" charset="0"/>
+                <a:cs typeface="Times New Roman" panose="02020603050405020304" pitchFamily="18" charset="0"/>
+              </a:rPr>
+              <a:t>biblioteca</a:t>
+            </a:r>
+            <a:r>
+              <a:rPr lang="en-US" sz="3200" dirty="0">
+                <a:latin typeface="Times New Roman" panose="02020603050405020304" pitchFamily="18" charset="0"/>
+                <a:cs typeface="Times New Roman" panose="02020603050405020304" pitchFamily="18" charset="0"/>
+              </a:rPr>
+              <a:t> </a:t>
+            </a:r>
+            <a:r>
+              <a:rPr lang="en-US" sz="3200" dirty="0" err="1">
+                <a:latin typeface="Times New Roman" panose="02020603050405020304" pitchFamily="18" charset="0"/>
+                <a:cs typeface="Times New Roman" panose="02020603050405020304" pitchFamily="18" charset="0"/>
+              </a:rPr>
+              <a:t>sympy</a:t>
+            </a:r>
+            <a:r>
+              <a:rPr lang="en-US" sz="3200" dirty="0">
+                <a:latin typeface="Times New Roman" panose="02020603050405020304" pitchFamily="18" charset="0"/>
+                <a:cs typeface="Times New Roman" panose="02020603050405020304" pitchFamily="18" charset="0"/>
+              </a:rPr>
+              <a:t>. </a:t>
+            </a:r>
+            <a:r>
+              <a:rPr lang="en-US" sz="3200" dirty="0" err="1">
+                <a:latin typeface="Times New Roman" panose="02020603050405020304" pitchFamily="18" charset="0"/>
+                <a:cs typeface="Times New Roman" panose="02020603050405020304" pitchFamily="18" charset="0"/>
+              </a:rPr>
+              <a:t>Os</a:t>
+            </a:r>
+            <a:r>
+              <a:rPr lang="en-US" sz="3200" dirty="0">
+                <a:latin typeface="Times New Roman" panose="02020603050405020304" pitchFamily="18" charset="0"/>
+                <a:cs typeface="Times New Roman" panose="02020603050405020304" pitchFamily="18" charset="0"/>
+              </a:rPr>
+              <a:t> </a:t>
+            </a:r>
+            <a:r>
+              <a:rPr lang="en-US" sz="3200" dirty="0" err="1">
+                <a:latin typeface="Times New Roman" panose="02020603050405020304" pitchFamily="18" charset="0"/>
+                <a:cs typeface="Times New Roman" panose="02020603050405020304" pitchFamily="18" charset="0"/>
+              </a:rPr>
+              <a:t>passos</a:t>
+            </a:r>
+            <a:r>
+              <a:rPr lang="en-US" sz="3200" dirty="0">
+                <a:latin typeface="Times New Roman" panose="02020603050405020304" pitchFamily="18" charset="0"/>
+                <a:cs typeface="Times New Roman" panose="02020603050405020304" pitchFamily="18" charset="0"/>
+              </a:rPr>
+              <a:t> a </a:t>
+            </a:r>
+            <a:r>
+              <a:rPr lang="en-US" sz="3200" dirty="0" err="1">
+                <a:latin typeface="Times New Roman" panose="02020603050405020304" pitchFamily="18" charset="0"/>
+                <a:cs typeface="Times New Roman" panose="02020603050405020304" pitchFamily="18" charset="0"/>
+              </a:rPr>
+              <a:t>serem</a:t>
+            </a:r>
+            <a:r>
+              <a:rPr lang="en-US" sz="3200" dirty="0">
+                <a:latin typeface="Times New Roman" panose="02020603050405020304" pitchFamily="18" charset="0"/>
+                <a:cs typeface="Times New Roman" panose="02020603050405020304" pitchFamily="18" charset="0"/>
+              </a:rPr>
+              <a:t> </a:t>
+            </a:r>
+            <a:r>
+              <a:rPr lang="en-US" sz="3200" dirty="0" err="1">
+                <a:latin typeface="Times New Roman" panose="02020603050405020304" pitchFamily="18" charset="0"/>
+                <a:cs typeface="Times New Roman" panose="02020603050405020304" pitchFamily="18" charset="0"/>
+              </a:rPr>
+              <a:t>seguidos</a:t>
+            </a:r>
+            <a:r>
+              <a:rPr lang="en-US" sz="3200" dirty="0">
+                <a:latin typeface="Times New Roman" panose="02020603050405020304" pitchFamily="18" charset="0"/>
+                <a:cs typeface="Times New Roman" panose="02020603050405020304" pitchFamily="18" charset="0"/>
+              </a:rPr>
+              <a:t> </a:t>
+            </a:r>
+            <a:r>
+              <a:rPr lang="en-US" sz="3200" dirty="0" err="1">
+                <a:latin typeface="Times New Roman" panose="02020603050405020304" pitchFamily="18" charset="0"/>
+                <a:cs typeface="Times New Roman" panose="02020603050405020304" pitchFamily="18" charset="0"/>
+              </a:rPr>
+              <a:t>são</a:t>
+            </a:r>
+            <a:r>
+              <a:rPr lang="en-US" sz="3200" dirty="0">
+                <a:latin typeface="Times New Roman" panose="02020603050405020304" pitchFamily="18" charset="0"/>
+                <a:cs typeface="Times New Roman" panose="02020603050405020304" pitchFamily="18" charset="0"/>
+              </a:rPr>
+              <a:t>:</a:t>
+            </a:r>
+          </a:p>
+          <a:p>
+            <a:pPr algn="just"/>
+            <a:endParaRPr lang="en-US" sz="3200" dirty="0">
+              <a:latin typeface="Times New Roman" panose="02020603050405020304" pitchFamily="18" charset="0"/>
+              <a:cs typeface="Times New Roman" panose="02020603050405020304" pitchFamily="18" charset="0"/>
+            </a:endParaRPr>
+          </a:p>
+          <a:p>
+            <a:pPr marL="457200" indent="-457200" algn="just">
+              <a:buFont typeface="Arial" panose="020B0604020202020204" pitchFamily="34" charset="0"/>
+              <a:buChar char="•"/>
+            </a:pPr>
+            <a:r>
+              <a:rPr lang="en-US" sz="3200" dirty="0" err="1">
+                <a:latin typeface="Times New Roman" panose="02020603050405020304" pitchFamily="18" charset="0"/>
+                <a:cs typeface="Times New Roman" panose="02020603050405020304" pitchFamily="18" charset="0"/>
+              </a:rPr>
+              <a:t>Definir</a:t>
+            </a:r>
+            <a:r>
+              <a:rPr lang="en-US" sz="3200" dirty="0">
+                <a:latin typeface="Times New Roman" panose="02020603050405020304" pitchFamily="18" charset="0"/>
+                <a:cs typeface="Times New Roman" panose="02020603050405020304" pitchFamily="18" charset="0"/>
+              </a:rPr>
+              <a:t> </a:t>
+            </a:r>
+            <a:r>
+              <a:rPr lang="en-US" sz="3200" dirty="0" err="1">
+                <a:latin typeface="Times New Roman" panose="02020603050405020304" pitchFamily="18" charset="0"/>
+                <a:cs typeface="Times New Roman" panose="02020603050405020304" pitchFamily="18" charset="0"/>
+              </a:rPr>
+              <a:t>uma</a:t>
+            </a:r>
+            <a:r>
+              <a:rPr lang="en-US" sz="3200" dirty="0">
+                <a:latin typeface="Times New Roman" panose="02020603050405020304" pitchFamily="18" charset="0"/>
+                <a:cs typeface="Times New Roman" panose="02020603050405020304" pitchFamily="18" charset="0"/>
+              </a:rPr>
+              <a:t> </a:t>
+            </a:r>
+            <a:r>
+              <a:rPr lang="en-US" sz="3200" dirty="0" err="1">
+                <a:latin typeface="Times New Roman" panose="02020603050405020304" pitchFamily="18" charset="0"/>
+                <a:cs typeface="Times New Roman" panose="02020603050405020304" pitchFamily="18" charset="0"/>
+              </a:rPr>
+              <a:t>função</a:t>
+            </a:r>
+            <a:endParaRPr lang="en-US" sz="3200" dirty="0">
+              <a:latin typeface="Times New Roman" panose="02020603050405020304" pitchFamily="18" charset="0"/>
+              <a:cs typeface="Times New Roman" panose="02020603050405020304" pitchFamily="18" charset="0"/>
+            </a:endParaRPr>
+          </a:p>
+          <a:p>
+            <a:pPr marL="457200" indent="-457200" algn="just">
+              <a:buFont typeface="Arial" panose="020B0604020202020204" pitchFamily="34" charset="0"/>
+              <a:buChar char="•"/>
+            </a:pPr>
+            <a:r>
+              <a:rPr lang="en-US" sz="3200" dirty="0" err="1">
+                <a:latin typeface="Times New Roman" panose="02020603050405020304" pitchFamily="18" charset="0"/>
+                <a:cs typeface="Times New Roman" panose="02020603050405020304" pitchFamily="18" charset="0"/>
+              </a:rPr>
+              <a:t>Definir</a:t>
+            </a:r>
+            <a:r>
+              <a:rPr lang="en-US" sz="3200" dirty="0">
+                <a:latin typeface="Times New Roman" panose="02020603050405020304" pitchFamily="18" charset="0"/>
+                <a:cs typeface="Times New Roman" panose="02020603050405020304" pitchFamily="18" charset="0"/>
+              </a:rPr>
+              <a:t> a </a:t>
+            </a:r>
+            <a:r>
+              <a:rPr lang="en-US" sz="3200" dirty="0" err="1">
+                <a:latin typeface="Times New Roman" panose="02020603050405020304" pitchFamily="18" charset="0"/>
+                <a:cs typeface="Times New Roman" panose="02020603050405020304" pitchFamily="18" charset="0"/>
+              </a:rPr>
+              <a:t>variável</a:t>
+            </a:r>
+            <a:r>
+              <a:rPr lang="en-US" sz="3200" dirty="0">
+                <a:latin typeface="Times New Roman" panose="02020603050405020304" pitchFamily="18" charset="0"/>
+                <a:cs typeface="Times New Roman" panose="02020603050405020304" pitchFamily="18" charset="0"/>
+              </a:rPr>
+              <a:t> </a:t>
+            </a:r>
+            <a:r>
+              <a:rPr lang="en-US" sz="3200" dirty="0" err="1">
+                <a:latin typeface="Times New Roman" panose="02020603050405020304" pitchFamily="18" charset="0"/>
+                <a:cs typeface="Times New Roman" panose="02020603050405020304" pitchFamily="18" charset="0"/>
+              </a:rPr>
+              <a:t>independente</a:t>
+            </a:r>
+            <a:r>
+              <a:rPr lang="en-US" sz="3200" dirty="0">
+                <a:latin typeface="Times New Roman" panose="02020603050405020304" pitchFamily="18" charset="0"/>
+                <a:cs typeface="Times New Roman" panose="02020603050405020304" pitchFamily="18" charset="0"/>
+              </a:rPr>
+              <a:t> </a:t>
+            </a:r>
+            <a:r>
+              <a:rPr lang="en-US" sz="3200" dirty="0" err="1">
+                <a:latin typeface="Times New Roman" panose="02020603050405020304" pitchFamily="18" charset="0"/>
+                <a:cs typeface="Times New Roman" panose="02020603050405020304" pitchFamily="18" charset="0"/>
+              </a:rPr>
+              <a:t>como</a:t>
+            </a:r>
+            <a:r>
+              <a:rPr lang="en-US" sz="3200" dirty="0">
+                <a:latin typeface="Times New Roman" panose="02020603050405020304" pitchFamily="18" charset="0"/>
+                <a:cs typeface="Times New Roman" panose="02020603050405020304" pitchFamily="18" charset="0"/>
+              </a:rPr>
+              <a:t> um </a:t>
+            </a:r>
+            <a:r>
+              <a:rPr lang="en-US" sz="3200" dirty="0" err="1">
+                <a:latin typeface="Times New Roman" panose="02020603050405020304" pitchFamily="18" charset="0"/>
+                <a:cs typeface="Times New Roman" panose="02020603050405020304" pitchFamily="18" charset="0"/>
+              </a:rPr>
+              <a:t>símbolo</a:t>
+            </a:r>
+            <a:r>
+              <a:rPr lang="en-US" sz="3200" dirty="0">
+                <a:latin typeface="Times New Roman" panose="02020603050405020304" pitchFamily="18" charset="0"/>
+                <a:cs typeface="Times New Roman" panose="02020603050405020304" pitchFamily="18" charset="0"/>
+              </a:rPr>
+              <a:t> (Symbol)</a:t>
+            </a:r>
+          </a:p>
+          <a:p>
+            <a:pPr marL="457200" indent="-457200" algn="just">
+              <a:buFont typeface="Arial" panose="020B0604020202020204" pitchFamily="34" charset="0"/>
+              <a:buChar char="•"/>
+            </a:pPr>
+            <a:r>
+              <a:rPr lang="en-US" sz="3200" dirty="0" err="1">
+                <a:latin typeface="Times New Roman" panose="02020603050405020304" pitchFamily="18" charset="0"/>
+                <a:cs typeface="Times New Roman" panose="02020603050405020304" pitchFamily="18" charset="0"/>
+              </a:rPr>
+              <a:t>Montar</a:t>
+            </a:r>
+            <a:r>
+              <a:rPr lang="en-US" sz="3200" dirty="0">
+                <a:latin typeface="Times New Roman" panose="02020603050405020304" pitchFamily="18" charset="0"/>
+                <a:cs typeface="Times New Roman" panose="02020603050405020304" pitchFamily="18" charset="0"/>
+              </a:rPr>
+              <a:t> a </a:t>
+            </a:r>
+            <a:r>
+              <a:rPr lang="en-US" sz="3200" dirty="0" err="1">
+                <a:latin typeface="Times New Roman" panose="02020603050405020304" pitchFamily="18" charset="0"/>
+                <a:cs typeface="Times New Roman" panose="02020603050405020304" pitchFamily="18" charset="0"/>
+              </a:rPr>
+              <a:t>operação</a:t>
+            </a:r>
+            <a:r>
+              <a:rPr lang="en-US" sz="3200" dirty="0">
+                <a:latin typeface="Times New Roman" panose="02020603050405020304" pitchFamily="18" charset="0"/>
+                <a:cs typeface="Times New Roman" panose="02020603050405020304" pitchFamily="18" charset="0"/>
+              </a:rPr>
+              <a:t> </a:t>
+            </a:r>
+            <a:r>
+              <a:rPr lang="en-US" sz="3200" dirty="0" err="1">
+                <a:latin typeface="Times New Roman" panose="02020603050405020304" pitchFamily="18" charset="0"/>
+                <a:cs typeface="Times New Roman" panose="02020603050405020304" pitchFamily="18" charset="0"/>
+              </a:rPr>
+              <a:t>limite</a:t>
+            </a:r>
+            <a:r>
+              <a:rPr lang="en-US" sz="3200" dirty="0">
+                <a:latin typeface="Times New Roman" panose="02020603050405020304" pitchFamily="18" charset="0"/>
+                <a:cs typeface="Times New Roman" panose="02020603050405020304" pitchFamily="18" charset="0"/>
+              </a:rPr>
+              <a:t> (</a:t>
+            </a:r>
+            <a:r>
+              <a:rPr lang="en-US" sz="3200" i="1" dirty="0">
+                <a:latin typeface="Times New Roman" panose="02020603050405020304" pitchFamily="18" charset="0"/>
+                <a:cs typeface="Times New Roman" panose="02020603050405020304" pitchFamily="18" charset="0"/>
+              </a:rPr>
+              <a:t>limit)</a:t>
+            </a:r>
+          </a:p>
+          <a:p>
+            <a:pPr marL="457200" indent="-457200" algn="just">
+              <a:buFont typeface="Arial" panose="020B0604020202020204" pitchFamily="34" charset="0"/>
+              <a:buChar char="•"/>
+            </a:pPr>
+            <a:r>
+              <a:rPr lang="en-US" sz="3200" dirty="0" err="1">
+                <a:latin typeface="Times New Roman" panose="02020603050405020304" pitchFamily="18" charset="0"/>
+                <a:cs typeface="Times New Roman" panose="02020603050405020304" pitchFamily="18" charset="0"/>
+              </a:rPr>
+              <a:t>Executar</a:t>
+            </a:r>
+            <a:r>
+              <a:rPr lang="en-US" sz="3200" dirty="0">
+                <a:latin typeface="Times New Roman" panose="02020603050405020304" pitchFamily="18" charset="0"/>
+                <a:cs typeface="Times New Roman" panose="02020603050405020304" pitchFamily="18" charset="0"/>
+              </a:rPr>
+              <a:t> a </a:t>
+            </a:r>
+            <a:r>
+              <a:rPr lang="en-US" sz="3200" dirty="0" err="1">
+                <a:latin typeface="Times New Roman" panose="02020603050405020304" pitchFamily="18" charset="0"/>
+                <a:cs typeface="Times New Roman" panose="02020603050405020304" pitchFamily="18" charset="0"/>
+              </a:rPr>
+              <a:t>operação</a:t>
+            </a:r>
+            <a:r>
+              <a:rPr lang="en-US" sz="3200" dirty="0">
+                <a:latin typeface="Times New Roman" panose="02020603050405020304" pitchFamily="18" charset="0"/>
+                <a:cs typeface="Times New Roman" panose="02020603050405020304" pitchFamily="18" charset="0"/>
+              </a:rPr>
+              <a:t> (</a:t>
+            </a:r>
+            <a:r>
+              <a:rPr lang="en-US" sz="3200" i="1" dirty="0" err="1">
+                <a:latin typeface="Times New Roman" panose="02020603050405020304" pitchFamily="18" charset="0"/>
+                <a:cs typeface="Times New Roman" panose="02020603050405020304" pitchFamily="18" charset="0"/>
+              </a:rPr>
+              <a:t>doit</a:t>
+            </a:r>
+            <a:r>
+              <a:rPr lang="en-US" sz="3200" i="1" dirty="0">
+                <a:latin typeface="Times New Roman" panose="02020603050405020304" pitchFamily="18" charset="0"/>
+                <a:cs typeface="Times New Roman" panose="02020603050405020304" pitchFamily="18" charset="0"/>
+              </a:rPr>
+              <a:t>)</a:t>
+            </a:r>
+            <a:endParaRPr lang="en-US" sz="3200" dirty="0">
+              <a:latin typeface="Times New Roman" panose="02020603050405020304" pitchFamily="18" charset="0"/>
+              <a:cs typeface="Times New Roman" panose="02020603050405020304" pitchFamily="18" charset="0"/>
+            </a:endParaRPr>
+          </a:p>
+        </p:txBody>
+      </p:sp>
+      <p:sp>
+        <p:nvSpPr>
+          <p:cNvPr id="3" name="CaixaDeTexto 2">
+            <a:extLst>
+              <a:ext uri="{FF2B5EF4-FFF2-40B4-BE49-F238E27FC236}">
+                <a16:creationId xmlns:a16="http://schemas.microsoft.com/office/drawing/2014/main" id="{710F7D0F-3E3A-4BC1-B9EC-B4AA23078005}"/>
+              </a:ext>
+            </a:extLst>
+          </p:cNvPr>
+          <p:cNvSpPr txBox="1"/>
+          <p:nvPr/>
+        </p:nvSpPr>
+        <p:spPr>
+          <a:xfrm>
+            <a:off x="533400" y="457200"/>
+            <a:ext cx="8001000" cy="706755"/>
+          </a:xfrm>
+          <a:prstGeom prst="rect">
+            <a:avLst/>
+          </a:prstGeom>
+          <a:noFill/>
+        </p:spPr>
+        <p:txBody>
+          <a:bodyPr wrap="square" rtlCol="0">
+            <a:spAutoFit/>
+          </a:bodyPr>
+          <a:lstStyle/>
+          <a:p>
+            <a:pPr algn="ctr"/>
+            <a:r>
+              <a:rPr lang="en-US" sz="4000" dirty="0" err="1">
+                <a:latin typeface="Times New Roman" panose="02020603050405020304" pitchFamily="18" charset="0"/>
+                <a:cs typeface="Times New Roman" panose="02020603050405020304" pitchFamily="18" charset="0"/>
+              </a:rPr>
+              <a:t>Sobre</a:t>
+            </a:r>
+            <a:r>
+              <a:rPr lang="en-US" sz="4000" dirty="0">
+                <a:latin typeface="Times New Roman" panose="02020603050405020304" pitchFamily="18" charset="0"/>
+                <a:cs typeface="Times New Roman" panose="02020603050405020304" pitchFamily="18" charset="0"/>
+              </a:rPr>
+              <a:t> </a:t>
+            </a:r>
+            <a:r>
+              <a:rPr lang="pt-BR" altLang="en-US" sz="4000" dirty="0">
+                <a:latin typeface="Times New Roman" panose="02020603050405020304" pitchFamily="18" charset="0"/>
+                <a:cs typeface="Times New Roman" panose="02020603050405020304" pitchFamily="18" charset="0"/>
+              </a:rPr>
+              <a:t>Cálculo Diferencial e Integral</a:t>
+            </a:r>
+          </a:p>
+        </p:txBody>
+      </p:sp>
+    </p:spTree>
+    <p:extLst>
+      <p:ext uri="{BB962C8B-B14F-4D97-AF65-F5344CB8AC3E}">
+        <p14:creationId xmlns:p14="http://schemas.microsoft.com/office/powerpoint/2010/main" val="870313410"/>
+      </p:ext>
+    </p:extLst>
+  </p:cSld>
+  <p:clrMapOvr>
+    <a:masterClrMapping/>
+  </p:clrMapOvr>
+</p:sld>
+</file>
+
+<file path=ppt/slides/slide31.xml><?xml version="1.0" encoding="utf-8"?>
+<p:sld xmlns:a="http://schemas.openxmlformats.org/drawingml/2006/main" xmlns:r="http://schemas.openxmlformats.org/officeDocument/2006/relationships" xmlns:p="http://schemas.openxmlformats.org/presentationml/2006/main">
+  <p:cSld>
+    <p:spTree>
+      <p:nvGrpSpPr>
+        <p:cNvPr id="1" name=""/>
+        <p:cNvGrpSpPr/>
+        <p:nvPr/>
+      </p:nvGrpSpPr>
+      <p:grpSpPr>
+        <a:xfrm>
+          <a:off x="0" y="0"/>
+          <a:ext cx="0" cy="0"/>
+          <a:chOff x="0" y="0"/>
+          <a:chExt cx="0" cy="0"/>
+        </a:xfrm>
+      </p:grpSpPr>
+      <p:sp>
+        <p:nvSpPr>
+          <p:cNvPr id="2" name="CaixaDeTexto 1">
+            <a:extLst>
+              <a:ext uri="{FF2B5EF4-FFF2-40B4-BE49-F238E27FC236}">
+                <a16:creationId xmlns:a16="http://schemas.microsoft.com/office/drawing/2014/main" id="{3B312FDC-516D-4DC9-9F35-740B34D4B424}"/>
+              </a:ext>
+            </a:extLst>
+          </p:cNvPr>
+          <p:cNvSpPr txBox="1"/>
+          <p:nvPr/>
+        </p:nvSpPr>
+        <p:spPr>
+          <a:xfrm>
+            <a:off x="746760" y="1163955"/>
+            <a:ext cx="7772400" cy="4031873"/>
+          </a:xfrm>
+          <a:prstGeom prst="rect">
+            <a:avLst/>
+          </a:prstGeom>
+          <a:noFill/>
+        </p:spPr>
+        <p:txBody>
+          <a:bodyPr wrap="square" rtlCol="0">
+            <a:spAutoFit/>
+          </a:bodyPr>
+          <a:lstStyle/>
+          <a:p>
+            <a:pPr algn="just"/>
+            <a:r>
+              <a:rPr lang="en-US" sz="3200" dirty="0">
+                <a:latin typeface="Times New Roman" panose="02020603050405020304" pitchFamily="18" charset="0"/>
+                <a:cs typeface="Times New Roman" panose="02020603050405020304" pitchFamily="18" charset="0"/>
+              </a:rPr>
+              <a:t>Para definer a </a:t>
+            </a:r>
+            <a:r>
+              <a:rPr lang="en-US" sz="3200" dirty="0" err="1">
+                <a:latin typeface="Times New Roman" panose="02020603050405020304" pitchFamily="18" charset="0"/>
+                <a:cs typeface="Times New Roman" panose="02020603050405020304" pitchFamily="18" charset="0"/>
+              </a:rPr>
+              <a:t>variável</a:t>
+            </a:r>
+            <a:r>
+              <a:rPr lang="en-US" sz="3200" dirty="0">
+                <a:latin typeface="Times New Roman" panose="02020603050405020304" pitchFamily="18" charset="0"/>
+                <a:cs typeface="Times New Roman" panose="02020603050405020304" pitchFamily="18" charset="0"/>
+              </a:rPr>
+              <a:t> </a:t>
+            </a:r>
+            <a:r>
+              <a:rPr lang="en-US" sz="3200" dirty="0" err="1">
+                <a:latin typeface="Times New Roman" panose="02020603050405020304" pitchFamily="18" charset="0"/>
+                <a:cs typeface="Times New Roman" panose="02020603050405020304" pitchFamily="18" charset="0"/>
+              </a:rPr>
+              <a:t>independente</a:t>
+            </a:r>
+            <a:r>
+              <a:rPr lang="en-US" sz="3200" dirty="0">
+                <a:latin typeface="Times New Roman" panose="02020603050405020304" pitchFamily="18" charset="0"/>
+                <a:cs typeface="Times New Roman" panose="02020603050405020304" pitchFamily="18" charset="0"/>
+              </a:rPr>
+              <a:t> </a:t>
+            </a:r>
+            <a:r>
+              <a:rPr lang="en-US" sz="3200" dirty="0" err="1">
+                <a:latin typeface="Times New Roman" panose="02020603050405020304" pitchFamily="18" charset="0"/>
+                <a:cs typeface="Times New Roman" panose="02020603050405020304" pitchFamily="18" charset="0"/>
+              </a:rPr>
+              <a:t>como</a:t>
+            </a:r>
+            <a:r>
+              <a:rPr lang="en-US" sz="3200" dirty="0">
+                <a:latin typeface="Times New Roman" panose="02020603050405020304" pitchFamily="18" charset="0"/>
+                <a:cs typeface="Times New Roman" panose="02020603050405020304" pitchFamily="18" charset="0"/>
+              </a:rPr>
+              <a:t> um </a:t>
+            </a:r>
+            <a:r>
+              <a:rPr lang="en-US" sz="3200" dirty="0" err="1">
+                <a:latin typeface="Times New Roman" panose="02020603050405020304" pitchFamily="18" charset="0"/>
+                <a:cs typeface="Times New Roman" panose="02020603050405020304" pitchFamily="18" charset="0"/>
+              </a:rPr>
+              <a:t>símbolo</a:t>
+            </a:r>
+            <a:r>
+              <a:rPr lang="en-US" sz="3200" dirty="0">
+                <a:latin typeface="Times New Roman" panose="02020603050405020304" pitchFamily="18" charset="0"/>
+                <a:cs typeface="Times New Roman" panose="02020603050405020304" pitchFamily="18" charset="0"/>
+              </a:rPr>
+              <a:t>, </a:t>
+            </a:r>
+            <a:r>
+              <a:rPr lang="en-US" sz="3200" dirty="0" err="1">
+                <a:latin typeface="Times New Roman" panose="02020603050405020304" pitchFamily="18" charset="0"/>
+                <a:cs typeface="Times New Roman" panose="02020603050405020304" pitchFamily="18" charset="0"/>
+              </a:rPr>
+              <a:t>basta</a:t>
+            </a:r>
+            <a:r>
+              <a:rPr lang="en-US" sz="3200" dirty="0">
+                <a:latin typeface="Times New Roman" panose="02020603050405020304" pitchFamily="18" charset="0"/>
+                <a:cs typeface="Times New Roman" panose="02020603050405020304" pitchFamily="18" charset="0"/>
+              </a:rPr>
+              <a:t> </a:t>
+            </a:r>
+            <a:r>
+              <a:rPr lang="en-US" sz="3200" dirty="0" err="1">
+                <a:latin typeface="Times New Roman" panose="02020603050405020304" pitchFamily="18" charset="0"/>
+                <a:cs typeface="Times New Roman" panose="02020603050405020304" pitchFamily="18" charset="0"/>
+              </a:rPr>
+              <a:t>indicá</a:t>
+            </a:r>
+            <a:r>
+              <a:rPr lang="en-US" sz="3200" dirty="0">
+                <a:latin typeface="Times New Roman" panose="02020603050405020304" pitchFamily="18" charset="0"/>
+                <a:cs typeface="Times New Roman" panose="02020603050405020304" pitchFamily="18" charset="0"/>
+              </a:rPr>
+              <a:t>-la entre </a:t>
+            </a:r>
+            <a:r>
+              <a:rPr lang="en-US" sz="3200" dirty="0" err="1">
+                <a:latin typeface="Times New Roman" panose="02020603050405020304" pitchFamily="18" charset="0"/>
+                <a:cs typeface="Times New Roman" panose="02020603050405020304" pitchFamily="18" charset="0"/>
+              </a:rPr>
+              <a:t>aspas</a:t>
+            </a:r>
+            <a:r>
+              <a:rPr lang="en-US" sz="3200" dirty="0">
+                <a:latin typeface="Times New Roman" panose="02020603050405020304" pitchFamily="18" charset="0"/>
+                <a:cs typeface="Times New Roman" panose="02020603050405020304" pitchFamily="18" charset="0"/>
+              </a:rPr>
+              <a:t> simples </a:t>
+            </a:r>
+            <a:r>
+              <a:rPr lang="en-US" sz="3200" dirty="0" err="1">
+                <a:latin typeface="Times New Roman" panose="02020603050405020304" pitchFamily="18" charset="0"/>
+                <a:cs typeface="Times New Roman" panose="02020603050405020304" pitchFamily="18" charset="0"/>
+              </a:rPr>
+              <a:t>na</a:t>
+            </a:r>
+            <a:r>
+              <a:rPr lang="en-US" sz="3200" dirty="0">
+                <a:latin typeface="Times New Roman" panose="02020603050405020304" pitchFamily="18" charset="0"/>
+                <a:cs typeface="Times New Roman" panose="02020603050405020304" pitchFamily="18" charset="0"/>
+              </a:rPr>
+              <a:t> </a:t>
+            </a:r>
+            <a:r>
+              <a:rPr lang="en-US" sz="3200" dirty="0" err="1">
+                <a:latin typeface="Times New Roman" panose="02020603050405020304" pitchFamily="18" charset="0"/>
+                <a:cs typeface="Times New Roman" panose="02020603050405020304" pitchFamily="18" charset="0"/>
+              </a:rPr>
+              <a:t>função</a:t>
+            </a:r>
+            <a:r>
+              <a:rPr lang="en-US" sz="3200" dirty="0">
+                <a:latin typeface="Times New Roman" panose="02020603050405020304" pitchFamily="18" charset="0"/>
+                <a:cs typeface="Times New Roman" panose="02020603050405020304" pitchFamily="18" charset="0"/>
+              </a:rPr>
+              <a:t> </a:t>
+            </a:r>
+            <a:r>
+              <a:rPr lang="en-US" sz="3200" i="1" dirty="0">
+                <a:latin typeface="Times New Roman" panose="02020603050405020304" pitchFamily="18" charset="0"/>
+                <a:cs typeface="Times New Roman" panose="02020603050405020304" pitchFamily="18" charset="0"/>
+              </a:rPr>
+              <a:t>Symbol. </a:t>
+            </a:r>
+            <a:r>
+              <a:rPr lang="en-US" sz="3200" dirty="0">
+                <a:latin typeface="Times New Roman" panose="02020603050405020304" pitchFamily="18" charset="0"/>
+                <a:cs typeface="Times New Roman" panose="02020603050405020304" pitchFamily="18" charset="0"/>
+              </a:rPr>
+              <a:t>Por </a:t>
+            </a:r>
+            <a:r>
+              <a:rPr lang="en-US" sz="3200" dirty="0" err="1">
+                <a:latin typeface="Times New Roman" panose="02020603050405020304" pitchFamily="18" charset="0"/>
+                <a:cs typeface="Times New Roman" panose="02020603050405020304" pitchFamily="18" charset="0"/>
+              </a:rPr>
+              <a:t>exemplo</a:t>
+            </a:r>
+            <a:r>
+              <a:rPr lang="en-US" sz="3200" dirty="0">
+                <a:latin typeface="Times New Roman" panose="02020603050405020304" pitchFamily="18" charset="0"/>
+                <a:cs typeface="Times New Roman" panose="02020603050405020304" pitchFamily="18" charset="0"/>
+              </a:rPr>
+              <a:t>, </a:t>
+            </a:r>
+            <a:r>
+              <a:rPr lang="en-US" sz="3200" i="1" dirty="0">
+                <a:latin typeface="Times New Roman" panose="02020603050405020304" pitchFamily="18" charset="0"/>
+                <a:cs typeface="Times New Roman" panose="02020603050405020304" pitchFamily="18" charset="0"/>
+              </a:rPr>
+              <a:t>Symbol</a:t>
+            </a:r>
+            <a:r>
+              <a:rPr lang="en-US" sz="3200" dirty="0">
+                <a:latin typeface="Times New Roman" panose="02020603050405020304" pitchFamily="18" charset="0"/>
+                <a:cs typeface="Times New Roman" panose="02020603050405020304" pitchFamily="18" charset="0"/>
+              </a:rPr>
+              <a:t>(‘x’) </a:t>
+            </a:r>
+            <a:r>
+              <a:rPr lang="en-US" sz="3200" dirty="0" err="1">
+                <a:latin typeface="Times New Roman" panose="02020603050405020304" pitchFamily="18" charset="0"/>
+                <a:cs typeface="Times New Roman" panose="02020603050405020304" pitchFamily="18" charset="0"/>
+              </a:rPr>
+              <a:t>indica</a:t>
+            </a:r>
+            <a:r>
+              <a:rPr lang="en-US" sz="3200" dirty="0">
+                <a:latin typeface="Times New Roman" panose="02020603050405020304" pitchFamily="18" charset="0"/>
+                <a:cs typeface="Times New Roman" panose="02020603050405020304" pitchFamily="18" charset="0"/>
+              </a:rPr>
+              <a:t> que x é </a:t>
+            </a:r>
+            <a:r>
+              <a:rPr lang="en-US" sz="3200" dirty="0" err="1">
+                <a:latin typeface="Times New Roman" panose="02020603050405020304" pitchFamily="18" charset="0"/>
+                <a:cs typeface="Times New Roman" panose="02020603050405020304" pitchFamily="18" charset="0"/>
+              </a:rPr>
+              <a:t>variável</a:t>
+            </a:r>
+            <a:r>
+              <a:rPr lang="en-US" sz="3200" dirty="0">
+                <a:latin typeface="Times New Roman" panose="02020603050405020304" pitchFamily="18" charset="0"/>
+                <a:cs typeface="Times New Roman" panose="02020603050405020304" pitchFamily="18" charset="0"/>
+              </a:rPr>
+              <a:t> </a:t>
+            </a:r>
+            <a:r>
+              <a:rPr lang="en-US" sz="3200" dirty="0" err="1">
+                <a:latin typeface="Times New Roman" panose="02020603050405020304" pitchFamily="18" charset="0"/>
+                <a:cs typeface="Times New Roman" panose="02020603050405020304" pitchFamily="18" charset="0"/>
+              </a:rPr>
+              <a:t>independente</a:t>
+            </a:r>
+            <a:r>
+              <a:rPr lang="en-US" sz="3200" dirty="0">
+                <a:latin typeface="Times New Roman" panose="02020603050405020304" pitchFamily="18" charset="0"/>
+                <a:cs typeface="Times New Roman" panose="02020603050405020304" pitchFamily="18" charset="0"/>
+              </a:rPr>
+              <a:t> da </a:t>
+            </a:r>
+            <a:r>
+              <a:rPr lang="en-US" sz="3200" dirty="0" err="1">
+                <a:latin typeface="Times New Roman" panose="02020603050405020304" pitchFamily="18" charset="0"/>
+                <a:cs typeface="Times New Roman" panose="02020603050405020304" pitchFamily="18" charset="0"/>
+              </a:rPr>
+              <a:t>função</a:t>
+            </a:r>
+            <a:r>
+              <a:rPr lang="en-US" sz="3200" dirty="0">
+                <a:latin typeface="Times New Roman" panose="02020603050405020304" pitchFamily="18" charset="0"/>
+                <a:cs typeface="Times New Roman" panose="02020603050405020304" pitchFamily="18" charset="0"/>
+              </a:rPr>
+              <a:t> que </a:t>
+            </a:r>
+            <a:r>
+              <a:rPr lang="en-US" sz="3200" dirty="0" err="1">
+                <a:latin typeface="Times New Roman" panose="02020603050405020304" pitchFamily="18" charset="0"/>
+                <a:cs typeface="Times New Roman" panose="02020603050405020304" pitchFamily="18" charset="0"/>
+              </a:rPr>
+              <a:t>será</a:t>
+            </a:r>
+            <a:r>
+              <a:rPr lang="en-US" sz="3200" dirty="0">
+                <a:latin typeface="Times New Roman" panose="02020603050405020304" pitchFamily="18" charset="0"/>
+                <a:cs typeface="Times New Roman" panose="02020603050405020304" pitchFamily="18" charset="0"/>
+              </a:rPr>
+              <a:t> </a:t>
+            </a:r>
+            <a:r>
+              <a:rPr lang="en-US" sz="3200" dirty="0" err="1">
+                <a:latin typeface="Times New Roman" panose="02020603050405020304" pitchFamily="18" charset="0"/>
+                <a:cs typeface="Times New Roman" panose="02020603050405020304" pitchFamily="18" charset="0"/>
+              </a:rPr>
+              <a:t>avalidada</a:t>
+            </a:r>
+            <a:r>
+              <a:rPr lang="en-US" sz="3200" dirty="0">
+                <a:latin typeface="Times New Roman" panose="02020603050405020304" pitchFamily="18" charset="0"/>
+                <a:cs typeface="Times New Roman" panose="02020603050405020304" pitchFamily="18" charset="0"/>
+              </a:rPr>
+              <a:t> pela </a:t>
+            </a:r>
+            <a:r>
+              <a:rPr lang="en-US" sz="3200" dirty="0" err="1">
+                <a:latin typeface="Times New Roman" panose="02020603050405020304" pitchFamily="18" charset="0"/>
+                <a:cs typeface="Times New Roman" panose="02020603050405020304" pitchFamily="18" charset="0"/>
+              </a:rPr>
+              <a:t>operação</a:t>
+            </a:r>
+            <a:r>
+              <a:rPr lang="en-US" sz="3200" dirty="0">
+                <a:latin typeface="Times New Roman" panose="02020603050405020304" pitchFamily="18" charset="0"/>
+                <a:cs typeface="Times New Roman" panose="02020603050405020304" pitchFamily="18" charset="0"/>
+              </a:rPr>
+              <a:t> </a:t>
+            </a:r>
+            <a:r>
+              <a:rPr lang="en-US" sz="3200" dirty="0" err="1">
+                <a:latin typeface="Times New Roman" panose="02020603050405020304" pitchFamily="18" charset="0"/>
+                <a:cs typeface="Times New Roman" panose="02020603050405020304" pitchFamily="18" charset="0"/>
+              </a:rPr>
+              <a:t>limite</a:t>
+            </a:r>
+            <a:r>
+              <a:rPr lang="en-US" sz="3200" dirty="0">
+                <a:latin typeface="Times New Roman" panose="02020603050405020304" pitchFamily="18" charset="0"/>
+                <a:cs typeface="Times New Roman" panose="02020603050405020304" pitchFamily="18" charset="0"/>
+              </a:rPr>
+              <a:t>.</a:t>
+            </a:r>
+          </a:p>
+          <a:p>
+            <a:pPr algn="just"/>
+            <a:endParaRPr lang="en-US" sz="3200" dirty="0">
+              <a:latin typeface="Times New Roman" panose="02020603050405020304" pitchFamily="18" charset="0"/>
+              <a:cs typeface="Times New Roman" panose="02020603050405020304" pitchFamily="18" charset="0"/>
+            </a:endParaRPr>
+          </a:p>
+          <a:p>
+            <a:pPr algn="just"/>
+            <a:endParaRPr lang="en-US" sz="3200" dirty="0">
+              <a:latin typeface="Times New Roman" panose="02020603050405020304" pitchFamily="18" charset="0"/>
+              <a:cs typeface="Times New Roman" panose="02020603050405020304" pitchFamily="18" charset="0"/>
+            </a:endParaRPr>
+          </a:p>
+        </p:txBody>
+      </p:sp>
+      <p:sp>
+        <p:nvSpPr>
+          <p:cNvPr id="3" name="CaixaDeTexto 2">
+            <a:extLst>
+              <a:ext uri="{FF2B5EF4-FFF2-40B4-BE49-F238E27FC236}">
+                <a16:creationId xmlns:a16="http://schemas.microsoft.com/office/drawing/2014/main" id="{710F7D0F-3E3A-4BC1-B9EC-B4AA23078005}"/>
+              </a:ext>
+            </a:extLst>
+          </p:cNvPr>
+          <p:cNvSpPr txBox="1"/>
+          <p:nvPr/>
+        </p:nvSpPr>
+        <p:spPr>
+          <a:xfrm>
+            <a:off x="533400" y="457200"/>
+            <a:ext cx="8001000" cy="706755"/>
+          </a:xfrm>
+          <a:prstGeom prst="rect">
+            <a:avLst/>
+          </a:prstGeom>
+          <a:noFill/>
+        </p:spPr>
+        <p:txBody>
+          <a:bodyPr wrap="square" rtlCol="0">
+            <a:spAutoFit/>
+          </a:bodyPr>
+          <a:lstStyle/>
+          <a:p>
+            <a:pPr algn="ctr"/>
+            <a:r>
+              <a:rPr lang="en-US" sz="4000" dirty="0" err="1">
+                <a:latin typeface="Times New Roman" panose="02020603050405020304" pitchFamily="18" charset="0"/>
+                <a:cs typeface="Times New Roman" panose="02020603050405020304" pitchFamily="18" charset="0"/>
+              </a:rPr>
+              <a:t>Sobre</a:t>
+            </a:r>
+            <a:r>
+              <a:rPr lang="en-US" sz="4000" dirty="0">
+                <a:latin typeface="Times New Roman" panose="02020603050405020304" pitchFamily="18" charset="0"/>
+                <a:cs typeface="Times New Roman" panose="02020603050405020304" pitchFamily="18" charset="0"/>
+              </a:rPr>
+              <a:t> </a:t>
+            </a:r>
+            <a:r>
+              <a:rPr lang="pt-BR" altLang="en-US" sz="4000" dirty="0">
+                <a:latin typeface="Times New Roman" panose="02020603050405020304" pitchFamily="18" charset="0"/>
+                <a:cs typeface="Times New Roman" panose="02020603050405020304" pitchFamily="18" charset="0"/>
+              </a:rPr>
+              <a:t>Cálculo Diferencial e Integral</a:t>
+            </a:r>
+          </a:p>
+        </p:txBody>
+      </p:sp>
+      <p:sp>
+        <p:nvSpPr>
+          <p:cNvPr id="4" name="Retângulo 3">
+            <a:extLst>
+              <a:ext uri="{FF2B5EF4-FFF2-40B4-BE49-F238E27FC236}">
+                <a16:creationId xmlns:a16="http://schemas.microsoft.com/office/drawing/2014/main" id="{3C6D3088-21F3-4525-B5C8-D0AFC3471E81}"/>
+              </a:ext>
+            </a:extLst>
+          </p:cNvPr>
+          <p:cNvSpPr/>
+          <p:nvPr/>
+        </p:nvSpPr>
+        <p:spPr>
+          <a:xfrm>
+            <a:off x="228599" y="4580573"/>
+            <a:ext cx="8806693" cy="1077218"/>
+          </a:xfrm>
+          <a:prstGeom prst="rect">
+            <a:avLst/>
+          </a:prstGeom>
+          <a:noFill/>
+        </p:spPr>
+        <p:txBody>
+          <a:bodyPr wrap="square" lIns="91440" tIns="45720" rIns="91440" bIns="45720">
+            <a:spAutoFit/>
+          </a:bodyPr>
+          <a:lstStyle/>
+          <a:p>
+            <a:pPr algn="ctr"/>
+            <a:r>
+              <a:rPr lang="pt-BR" sz="3200" b="1" i="1" cap="none" spc="0" dirty="0" err="1">
+                <a:ln w="0"/>
+                <a:solidFill>
+                  <a:schemeClr val="tx1"/>
+                </a:solidFill>
+                <a:effectLst>
+                  <a:outerShdw blurRad="38100" dist="19050" dir="2700000" algn="tl" rotWithShape="0">
+                    <a:schemeClr val="dk1">
+                      <a:alpha val="40000"/>
+                    </a:schemeClr>
+                  </a:outerShdw>
+                </a:effectLst>
+                <a:latin typeface="Times New Roman" panose="02020603050405020304" pitchFamily="18" charset="0"/>
+                <a:cs typeface="Times New Roman" panose="02020603050405020304" pitchFamily="18" charset="0"/>
+              </a:rPr>
+              <a:t>Limit</a:t>
+            </a:r>
+            <a:r>
+              <a:rPr lang="pt-BR" sz="3200" b="1" i="1" cap="none" spc="0" dirty="0">
+                <a:ln w="0"/>
+                <a:solidFill>
+                  <a:schemeClr val="tx1"/>
+                </a:solidFill>
+                <a:effectLst>
+                  <a:outerShdw blurRad="38100" dist="19050" dir="2700000" algn="tl" rotWithShape="0">
+                    <a:schemeClr val="dk1">
+                      <a:alpha val="40000"/>
+                    </a:schemeClr>
+                  </a:outerShdw>
+                </a:effectLst>
+                <a:latin typeface="Times New Roman" panose="02020603050405020304" pitchFamily="18" charset="0"/>
+                <a:cs typeface="Times New Roman" panose="02020603050405020304" pitchFamily="18" charset="0"/>
+              </a:rPr>
+              <a:t>(</a:t>
+            </a:r>
+            <a:r>
+              <a:rPr lang="pt-BR" sz="3200" b="1" cap="none" spc="0" dirty="0" err="1">
+                <a:ln w="0"/>
+                <a:solidFill>
+                  <a:schemeClr val="tx1"/>
+                </a:solidFill>
+                <a:effectLst>
+                  <a:outerShdw blurRad="38100" dist="19050" dir="2700000" algn="tl" rotWithShape="0">
+                    <a:schemeClr val="dk1">
+                      <a:alpha val="40000"/>
+                    </a:schemeClr>
+                  </a:outerShdw>
+                </a:effectLst>
+                <a:latin typeface="Times New Roman" panose="02020603050405020304" pitchFamily="18" charset="0"/>
+                <a:cs typeface="Times New Roman" panose="02020603050405020304" pitchFamily="18" charset="0"/>
+              </a:rPr>
+              <a:t>nome_função</a:t>
+            </a:r>
+            <a:r>
+              <a:rPr lang="pt-BR" sz="3200" b="1" cap="none" spc="0" dirty="0">
+                <a:ln w="0"/>
+                <a:solidFill>
+                  <a:schemeClr val="tx1"/>
+                </a:solidFill>
+                <a:effectLst>
+                  <a:outerShdw blurRad="38100" dist="19050" dir="2700000" algn="tl" rotWithShape="0">
+                    <a:schemeClr val="dk1">
+                      <a:alpha val="40000"/>
+                    </a:schemeClr>
+                  </a:outerShdw>
+                </a:effectLst>
+                <a:latin typeface="Times New Roman" panose="02020603050405020304" pitchFamily="18" charset="0"/>
+                <a:cs typeface="Times New Roman" panose="02020603050405020304" pitchFamily="18" charset="0"/>
+              </a:rPr>
+              <a:t>, </a:t>
+            </a:r>
+            <a:r>
+              <a:rPr lang="pt-BR" sz="3200" b="1" cap="none" spc="0" dirty="0" err="1">
+                <a:ln w="0"/>
+                <a:solidFill>
+                  <a:schemeClr val="tx1"/>
+                </a:solidFill>
+                <a:effectLst>
+                  <a:outerShdw blurRad="38100" dist="19050" dir="2700000" algn="tl" rotWithShape="0">
+                    <a:schemeClr val="dk1">
+                      <a:alpha val="40000"/>
+                    </a:schemeClr>
+                  </a:outerShdw>
+                </a:effectLst>
+                <a:latin typeface="Times New Roman" panose="02020603050405020304" pitchFamily="18" charset="0"/>
+                <a:cs typeface="Times New Roman" panose="02020603050405020304" pitchFamily="18" charset="0"/>
+              </a:rPr>
+              <a:t>variável_independente</a:t>
+            </a:r>
+            <a:r>
+              <a:rPr lang="pt-BR" sz="3200" b="1" cap="none" spc="0" dirty="0">
+                <a:ln w="0"/>
+                <a:solidFill>
+                  <a:schemeClr val="tx1"/>
+                </a:solidFill>
+                <a:effectLst>
+                  <a:outerShdw blurRad="38100" dist="19050" dir="2700000" algn="tl" rotWithShape="0">
+                    <a:schemeClr val="dk1">
+                      <a:alpha val="40000"/>
+                    </a:schemeClr>
+                  </a:outerShdw>
+                </a:effectLst>
+                <a:latin typeface="Times New Roman" panose="02020603050405020304" pitchFamily="18" charset="0"/>
+                <a:cs typeface="Times New Roman" panose="02020603050405020304" pitchFamily="18" charset="0"/>
+              </a:rPr>
+              <a:t>, valor)</a:t>
+            </a:r>
+            <a:endParaRPr lang="pt-BR" sz="3200" b="1" i="1" cap="none" spc="0" dirty="0">
+              <a:ln w="0"/>
+              <a:solidFill>
+                <a:schemeClr val="tx1"/>
+              </a:solidFill>
+              <a:effectLst>
+                <a:outerShdw blurRad="38100" dist="19050" dir="2700000" algn="tl" rotWithShape="0">
+                  <a:schemeClr val="dk1">
+                    <a:alpha val="40000"/>
+                  </a:schemeClr>
+                </a:outerShdw>
+              </a:effectLst>
+              <a:latin typeface="Times New Roman" panose="02020603050405020304" pitchFamily="18" charset="0"/>
+              <a:cs typeface="Times New Roman" panose="02020603050405020304" pitchFamily="18" charset="0"/>
+            </a:endParaRPr>
+          </a:p>
+        </p:txBody>
+      </p:sp>
+    </p:spTree>
+    <p:extLst>
+      <p:ext uri="{BB962C8B-B14F-4D97-AF65-F5344CB8AC3E}">
+        <p14:creationId xmlns:p14="http://schemas.microsoft.com/office/powerpoint/2010/main" val="1719254328"/>
+      </p:ext>
+    </p:extLst>
+  </p:cSld>
+  <p:clrMapOvr>
+    <a:masterClrMapping/>
+  </p:clrMapOvr>
+</p:sld>
+</file>
+
+<file path=ppt/slides/slide32.xml><?xml version="1.0" encoding="utf-8"?>
+<p:sld xmlns:a="http://schemas.openxmlformats.org/drawingml/2006/main" xmlns:r="http://schemas.openxmlformats.org/officeDocument/2006/relationships" xmlns:p="http://schemas.openxmlformats.org/presentationml/2006/main">
+  <p:cSld>
+    <p:spTree>
+      <p:nvGrpSpPr>
+        <p:cNvPr id="1" name=""/>
+        <p:cNvGrpSpPr/>
+        <p:nvPr/>
+      </p:nvGrpSpPr>
+      <p:grpSpPr>
+        <a:xfrm>
+          <a:off x="0" y="0"/>
+          <a:ext cx="0" cy="0"/>
+          <a:chOff x="0" y="0"/>
+          <a:chExt cx="0" cy="0"/>
+        </a:xfrm>
+      </p:grpSpPr>
+      <p:sp>
+        <p:nvSpPr>
+          <p:cNvPr id="2" name="CaixaDeTexto 1">
+            <a:extLst>
+              <a:ext uri="{FF2B5EF4-FFF2-40B4-BE49-F238E27FC236}">
+                <a16:creationId xmlns:a16="http://schemas.microsoft.com/office/drawing/2014/main" id="{3B312FDC-516D-4DC9-9F35-740B34D4B424}"/>
+              </a:ext>
+            </a:extLst>
+          </p:cNvPr>
+          <p:cNvSpPr txBox="1"/>
+          <p:nvPr/>
+        </p:nvSpPr>
+        <p:spPr>
+          <a:xfrm>
+            <a:off x="746760" y="1163955"/>
+            <a:ext cx="7772400" cy="3539430"/>
+          </a:xfrm>
+          <a:prstGeom prst="rect">
+            <a:avLst/>
+          </a:prstGeom>
+          <a:noFill/>
+        </p:spPr>
+        <p:txBody>
+          <a:bodyPr wrap="square" rtlCol="0">
+            <a:spAutoFit/>
+          </a:bodyPr>
+          <a:lstStyle/>
+          <a:p>
+            <a:pPr algn="just"/>
+            <a:r>
+              <a:rPr lang="en-US" sz="3200" dirty="0">
+                <a:latin typeface="Times New Roman" panose="02020603050405020304" pitchFamily="18" charset="0"/>
+                <a:cs typeface="Times New Roman" panose="02020603050405020304" pitchFamily="18" charset="0"/>
+              </a:rPr>
+              <a:t>Para </a:t>
+            </a:r>
+            <a:r>
+              <a:rPr lang="en-US" sz="3200" dirty="0" err="1">
+                <a:latin typeface="Times New Roman" panose="02020603050405020304" pitchFamily="18" charset="0"/>
+                <a:cs typeface="Times New Roman" panose="02020603050405020304" pitchFamily="18" charset="0"/>
+              </a:rPr>
+              <a:t>permitir</a:t>
+            </a:r>
+            <a:r>
+              <a:rPr lang="en-US" sz="3200" dirty="0">
+                <a:latin typeface="Times New Roman" panose="02020603050405020304" pitchFamily="18" charset="0"/>
+                <a:cs typeface="Times New Roman" panose="02020603050405020304" pitchFamily="18" charset="0"/>
+              </a:rPr>
+              <a:t> </a:t>
+            </a:r>
+            <a:r>
+              <a:rPr lang="en-US" sz="3200" dirty="0" err="1">
+                <a:latin typeface="Times New Roman" panose="02020603050405020304" pitchFamily="18" charset="0"/>
+                <a:cs typeface="Times New Roman" panose="02020603050405020304" pitchFamily="18" charset="0"/>
+              </a:rPr>
+              <a:t>os</a:t>
+            </a:r>
+            <a:r>
+              <a:rPr lang="en-US" sz="3200" dirty="0">
+                <a:latin typeface="Times New Roman" panose="02020603050405020304" pitchFamily="18" charset="0"/>
+                <a:cs typeface="Times New Roman" panose="02020603050405020304" pitchFamily="18" charset="0"/>
+              </a:rPr>
+              <a:t> </a:t>
+            </a:r>
+            <a:r>
+              <a:rPr lang="en-US" sz="3200" dirty="0" err="1">
+                <a:latin typeface="Times New Roman" panose="02020603050405020304" pitchFamily="18" charset="0"/>
+                <a:cs typeface="Times New Roman" panose="02020603050405020304" pitchFamily="18" charset="0"/>
+              </a:rPr>
+              <a:t>limites</a:t>
+            </a:r>
+            <a:r>
+              <a:rPr lang="en-US" sz="3200" dirty="0">
+                <a:latin typeface="Times New Roman" panose="02020603050405020304" pitchFamily="18" charset="0"/>
+                <a:cs typeface="Times New Roman" panose="02020603050405020304" pitchFamily="18" charset="0"/>
+              </a:rPr>
+              <a:t> </a:t>
+            </a:r>
+            <a:r>
+              <a:rPr lang="en-US" sz="3200" dirty="0" err="1">
+                <a:latin typeface="Times New Roman" panose="02020603050405020304" pitchFamily="18" charset="0"/>
+                <a:cs typeface="Times New Roman" panose="02020603050405020304" pitchFamily="18" charset="0"/>
+              </a:rPr>
+              <a:t>tendendo</a:t>
+            </a:r>
+            <a:r>
+              <a:rPr lang="en-US" sz="3200" dirty="0">
+                <a:latin typeface="Times New Roman" panose="02020603050405020304" pitchFamily="18" charset="0"/>
+                <a:cs typeface="Times New Roman" panose="02020603050405020304" pitchFamily="18" charset="0"/>
+              </a:rPr>
+              <a:t> </a:t>
+            </a:r>
+            <a:r>
+              <a:rPr lang="en-US" sz="3200" dirty="0" err="1">
+                <a:latin typeface="Times New Roman" panose="02020603050405020304" pitchFamily="18" charset="0"/>
+                <a:cs typeface="Times New Roman" panose="02020603050405020304" pitchFamily="18" charset="0"/>
+              </a:rPr>
+              <a:t>ao</a:t>
+            </a:r>
+            <a:r>
+              <a:rPr lang="en-US" sz="3200" dirty="0">
+                <a:latin typeface="Times New Roman" panose="02020603050405020304" pitchFamily="18" charset="0"/>
+                <a:cs typeface="Times New Roman" panose="02020603050405020304" pitchFamily="18" charset="0"/>
+              </a:rPr>
+              <a:t> </a:t>
+            </a:r>
+            <a:r>
+              <a:rPr lang="en-US" sz="3200" dirty="0" err="1">
+                <a:latin typeface="Times New Roman" panose="02020603050405020304" pitchFamily="18" charset="0"/>
+                <a:cs typeface="Times New Roman" panose="02020603050405020304" pitchFamily="18" charset="0"/>
+              </a:rPr>
+              <a:t>infinito</a:t>
+            </a:r>
+            <a:r>
+              <a:rPr lang="en-US" sz="3200" dirty="0">
+                <a:latin typeface="Times New Roman" panose="02020603050405020304" pitchFamily="18" charset="0"/>
+                <a:cs typeface="Times New Roman" panose="02020603050405020304" pitchFamily="18" charset="0"/>
+              </a:rPr>
+              <a:t> </a:t>
+            </a:r>
+            <a:r>
+              <a:rPr lang="en-US" sz="3200" dirty="0" err="1">
+                <a:latin typeface="Times New Roman" panose="02020603050405020304" pitchFamily="18" charset="0"/>
+                <a:cs typeface="Times New Roman" panose="02020603050405020304" pitchFamily="18" charset="0"/>
+              </a:rPr>
+              <a:t>ou</a:t>
+            </a:r>
+            <a:r>
+              <a:rPr lang="en-US" sz="3200" dirty="0">
+                <a:latin typeface="Times New Roman" panose="02020603050405020304" pitchFamily="18" charset="0"/>
+                <a:cs typeface="Times New Roman" panose="02020603050405020304" pitchFamily="18" charset="0"/>
+              </a:rPr>
+              <a:t> – </a:t>
+            </a:r>
+            <a:r>
+              <a:rPr lang="en-US" sz="3200" dirty="0" err="1">
+                <a:latin typeface="Times New Roman" panose="02020603050405020304" pitchFamily="18" charset="0"/>
+                <a:cs typeface="Times New Roman" panose="02020603050405020304" pitchFamily="18" charset="0"/>
+              </a:rPr>
+              <a:t>infinito</a:t>
+            </a:r>
+            <a:r>
+              <a:rPr lang="en-US" sz="3200" dirty="0">
+                <a:latin typeface="Times New Roman" panose="02020603050405020304" pitchFamily="18" charset="0"/>
+                <a:cs typeface="Times New Roman" panose="02020603050405020304" pitchFamily="18" charset="0"/>
+              </a:rPr>
+              <a:t>, a </a:t>
+            </a:r>
+            <a:r>
+              <a:rPr lang="en-US" sz="3200" dirty="0" err="1">
+                <a:latin typeface="Times New Roman" panose="02020603050405020304" pitchFamily="18" charset="0"/>
+                <a:cs typeface="Times New Roman" panose="02020603050405020304" pitchFamily="18" charset="0"/>
+              </a:rPr>
+              <a:t>biblioteca</a:t>
+            </a:r>
+            <a:r>
+              <a:rPr lang="en-US" sz="3200" dirty="0">
+                <a:latin typeface="Times New Roman" panose="02020603050405020304" pitchFamily="18" charset="0"/>
+                <a:cs typeface="Times New Roman" panose="02020603050405020304" pitchFamily="18" charset="0"/>
+              </a:rPr>
+              <a:t> </a:t>
+            </a:r>
+            <a:r>
+              <a:rPr lang="en-US" sz="3200" dirty="0" err="1">
+                <a:latin typeface="Times New Roman" panose="02020603050405020304" pitchFamily="18" charset="0"/>
+                <a:cs typeface="Times New Roman" panose="02020603050405020304" pitchFamily="18" charset="0"/>
+              </a:rPr>
+              <a:t>sympy</a:t>
+            </a:r>
+            <a:r>
+              <a:rPr lang="en-US" sz="3200" dirty="0">
+                <a:latin typeface="Times New Roman" panose="02020603050405020304" pitchFamily="18" charset="0"/>
+                <a:cs typeface="Times New Roman" panose="02020603050405020304" pitchFamily="18" charset="0"/>
+              </a:rPr>
+              <a:t> </a:t>
+            </a:r>
+            <a:r>
+              <a:rPr lang="en-US" sz="3200" dirty="0" err="1">
+                <a:latin typeface="Times New Roman" panose="02020603050405020304" pitchFamily="18" charset="0"/>
+                <a:cs typeface="Times New Roman" panose="02020603050405020304" pitchFamily="18" charset="0"/>
+              </a:rPr>
+              <a:t>possui</a:t>
+            </a:r>
+            <a:r>
+              <a:rPr lang="en-US" sz="3200" dirty="0">
+                <a:latin typeface="Times New Roman" panose="02020603050405020304" pitchFamily="18" charset="0"/>
+                <a:cs typeface="Times New Roman" panose="02020603050405020304" pitchFamily="18" charset="0"/>
+              </a:rPr>
+              <a:t> a </a:t>
+            </a:r>
+            <a:r>
+              <a:rPr lang="en-US" sz="3200" dirty="0" err="1">
+                <a:latin typeface="Times New Roman" panose="02020603050405020304" pitchFamily="18" charset="0"/>
+                <a:cs typeface="Times New Roman" panose="02020603050405020304" pitchFamily="18" charset="0"/>
+              </a:rPr>
+              <a:t>função</a:t>
+            </a:r>
+            <a:r>
+              <a:rPr lang="en-US" sz="3200" dirty="0">
+                <a:latin typeface="Times New Roman" panose="02020603050405020304" pitchFamily="18" charset="0"/>
+                <a:cs typeface="Times New Roman" panose="02020603050405020304" pitchFamily="18" charset="0"/>
+              </a:rPr>
+              <a:t> S, da forma que:</a:t>
+            </a:r>
+          </a:p>
+          <a:p>
+            <a:pPr algn="just"/>
+            <a:endParaRPr lang="en-US" sz="3200" dirty="0">
+              <a:latin typeface="Times New Roman" panose="02020603050405020304" pitchFamily="18" charset="0"/>
+              <a:cs typeface="Times New Roman" panose="02020603050405020304" pitchFamily="18" charset="0"/>
+            </a:endParaRPr>
+          </a:p>
+          <a:p>
+            <a:pPr marL="457200" indent="-457200" algn="just">
+              <a:buFont typeface="Arial" panose="020B0604020202020204" pitchFamily="34" charset="0"/>
+              <a:buChar char="•"/>
+            </a:pPr>
+            <a:r>
+              <a:rPr lang="en-US" sz="3200" i="1" dirty="0" err="1">
+                <a:latin typeface="Times New Roman" panose="02020603050405020304" pitchFamily="18" charset="0"/>
+                <a:cs typeface="Times New Roman" panose="02020603050405020304" pitchFamily="18" charset="0"/>
+              </a:rPr>
+              <a:t>S.Infinity</a:t>
+            </a:r>
+            <a:r>
+              <a:rPr lang="en-US" sz="3200" i="1" dirty="0">
+                <a:latin typeface="Times New Roman" panose="02020603050405020304" pitchFamily="18" charset="0"/>
+                <a:cs typeface="Times New Roman" panose="02020603050405020304" pitchFamily="18" charset="0"/>
+              </a:rPr>
+              <a:t> </a:t>
+            </a:r>
+            <a:r>
+              <a:rPr lang="en-US" sz="3200" dirty="0">
+                <a:latin typeface="Times New Roman" panose="02020603050405020304" pitchFamily="18" charset="0"/>
+                <a:cs typeface="Times New Roman" panose="02020603050405020304" pitchFamily="18" charset="0"/>
+              </a:rPr>
+              <a:t> </a:t>
+            </a:r>
+            <a:r>
+              <a:rPr lang="en-US" sz="3200" dirty="0" err="1">
+                <a:latin typeface="Times New Roman" panose="02020603050405020304" pitchFamily="18" charset="0"/>
+                <a:cs typeface="Times New Roman" panose="02020603050405020304" pitchFamily="18" charset="0"/>
+              </a:rPr>
+              <a:t>indica</a:t>
+            </a:r>
+            <a:r>
+              <a:rPr lang="en-US" sz="3200" dirty="0">
+                <a:latin typeface="Times New Roman" panose="02020603050405020304" pitchFamily="18" charset="0"/>
+                <a:cs typeface="Times New Roman" panose="02020603050405020304" pitchFamily="18" charset="0"/>
+              </a:rPr>
+              <a:t> </a:t>
+            </a:r>
+            <a:r>
+              <a:rPr lang="en-US" sz="3200" dirty="0" err="1">
+                <a:latin typeface="Times New Roman" panose="02020603050405020304" pitchFamily="18" charset="0"/>
+                <a:cs typeface="Times New Roman" panose="02020603050405020304" pitchFamily="18" charset="0"/>
+              </a:rPr>
+              <a:t>infinito</a:t>
+            </a:r>
+            <a:endParaRPr lang="en-US" sz="3200" dirty="0">
+              <a:latin typeface="Times New Roman" panose="02020603050405020304" pitchFamily="18" charset="0"/>
+              <a:cs typeface="Times New Roman" panose="02020603050405020304" pitchFamily="18" charset="0"/>
+            </a:endParaRPr>
+          </a:p>
+          <a:p>
+            <a:pPr marL="457200" indent="-457200" algn="just">
+              <a:buFont typeface="Arial" panose="020B0604020202020204" pitchFamily="34" charset="0"/>
+              <a:buChar char="•"/>
+            </a:pPr>
+            <a:r>
+              <a:rPr lang="en-US" sz="3200" i="1" dirty="0">
+                <a:latin typeface="Times New Roman" panose="02020603050405020304" pitchFamily="18" charset="0"/>
+                <a:cs typeface="Times New Roman" panose="02020603050405020304" pitchFamily="18" charset="0"/>
+              </a:rPr>
+              <a:t>-</a:t>
+            </a:r>
+            <a:r>
+              <a:rPr lang="en-US" sz="3200" i="1" dirty="0" err="1">
+                <a:latin typeface="Times New Roman" panose="02020603050405020304" pitchFamily="18" charset="0"/>
+                <a:cs typeface="Times New Roman" panose="02020603050405020304" pitchFamily="18" charset="0"/>
+              </a:rPr>
+              <a:t>S.Infinity</a:t>
+            </a:r>
+            <a:r>
+              <a:rPr lang="en-US" sz="3200" i="1" dirty="0">
+                <a:latin typeface="Times New Roman" panose="02020603050405020304" pitchFamily="18" charset="0"/>
+                <a:cs typeface="Times New Roman" panose="02020603050405020304" pitchFamily="18" charset="0"/>
+              </a:rPr>
+              <a:t> </a:t>
+            </a:r>
+            <a:r>
+              <a:rPr lang="en-US" sz="3200" dirty="0" err="1">
+                <a:latin typeface="Times New Roman" panose="02020603050405020304" pitchFamily="18" charset="0"/>
+                <a:cs typeface="Times New Roman" panose="02020603050405020304" pitchFamily="18" charset="0"/>
+              </a:rPr>
+              <a:t>indica</a:t>
+            </a:r>
+            <a:r>
+              <a:rPr lang="en-US" sz="3200" dirty="0">
+                <a:latin typeface="Times New Roman" panose="02020603050405020304" pitchFamily="18" charset="0"/>
+                <a:cs typeface="Times New Roman" panose="02020603050405020304" pitchFamily="18" charset="0"/>
+              </a:rPr>
+              <a:t> - </a:t>
+            </a:r>
+            <a:r>
+              <a:rPr lang="en-US" sz="3200" dirty="0" err="1">
+                <a:latin typeface="Times New Roman" panose="02020603050405020304" pitchFamily="18" charset="0"/>
+                <a:cs typeface="Times New Roman" panose="02020603050405020304" pitchFamily="18" charset="0"/>
+              </a:rPr>
+              <a:t>infinito</a:t>
+            </a:r>
+            <a:endParaRPr lang="en-US" sz="3200" dirty="0">
+              <a:latin typeface="Times New Roman" panose="02020603050405020304" pitchFamily="18" charset="0"/>
+              <a:cs typeface="Times New Roman" panose="02020603050405020304" pitchFamily="18" charset="0"/>
+            </a:endParaRPr>
+          </a:p>
+          <a:p>
+            <a:pPr algn="just"/>
+            <a:endParaRPr lang="en-US" sz="3200" dirty="0">
+              <a:latin typeface="Times New Roman" panose="02020603050405020304" pitchFamily="18" charset="0"/>
+              <a:cs typeface="Times New Roman" panose="02020603050405020304" pitchFamily="18" charset="0"/>
+            </a:endParaRPr>
+          </a:p>
+        </p:txBody>
+      </p:sp>
+      <p:sp>
+        <p:nvSpPr>
+          <p:cNvPr id="3" name="CaixaDeTexto 2">
+            <a:extLst>
+              <a:ext uri="{FF2B5EF4-FFF2-40B4-BE49-F238E27FC236}">
+                <a16:creationId xmlns:a16="http://schemas.microsoft.com/office/drawing/2014/main" id="{710F7D0F-3E3A-4BC1-B9EC-B4AA23078005}"/>
+              </a:ext>
+            </a:extLst>
+          </p:cNvPr>
+          <p:cNvSpPr txBox="1"/>
+          <p:nvPr/>
+        </p:nvSpPr>
+        <p:spPr>
+          <a:xfrm>
+            <a:off x="533400" y="457200"/>
+            <a:ext cx="8001000" cy="706755"/>
+          </a:xfrm>
+          <a:prstGeom prst="rect">
+            <a:avLst/>
+          </a:prstGeom>
+          <a:noFill/>
+        </p:spPr>
+        <p:txBody>
+          <a:bodyPr wrap="square" rtlCol="0">
+            <a:spAutoFit/>
+          </a:bodyPr>
+          <a:lstStyle/>
+          <a:p>
+            <a:pPr algn="ctr"/>
+            <a:r>
+              <a:rPr lang="en-US" sz="4000" dirty="0" err="1">
+                <a:latin typeface="Times New Roman" panose="02020603050405020304" pitchFamily="18" charset="0"/>
+                <a:cs typeface="Times New Roman" panose="02020603050405020304" pitchFamily="18" charset="0"/>
+              </a:rPr>
+              <a:t>Sobre</a:t>
+            </a:r>
+            <a:r>
+              <a:rPr lang="en-US" sz="4000" dirty="0">
+                <a:latin typeface="Times New Roman" panose="02020603050405020304" pitchFamily="18" charset="0"/>
+                <a:cs typeface="Times New Roman" panose="02020603050405020304" pitchFamily="18" charset="0"/>
+              </a:rPr>
+              <a:t> </a:t>
+            </a:r>
+            <a:r>
+              <a:rPr lang="pt-BR" altLang="en-US" sz="4000" dirty="0">
+                <a:latin typeface="Times New Roman" panose="02020603050405020304" pitchFamily="18" charset="0"/>
+                <a:cs typeface="Times New Roman" panose="02020603050405020304" pitchFamily="18" charset="0"/>
+              </a:rPr>
+              <a:t>Cálculo Diferencial e Integral</a:t>
+            </a:r>
+          </a:p>
+        </p:txBody>
+      </p:sp>
+    </p:spTree>
+    <p:extLst>
+      <p:ext uri="{BB962C8B-B14F-4D97-AF65-F5344CB8AC3E}">
+        <p14:creationId xmlns:p14="http://schemas.microsoft.com/office/powerpoint/2010/main" val="183918309"/>
+      </p:ext>
+    </p:extLst>
+  </p:cSld>
+  <p:clrMapOvr>
+    <a:masterClrMapping/>
+  </p:clrMapOvr>
+</p:sld>
+</file>
+
+<file path=ppt/slides/slide33.xml><?xml version="1.0" encoding="utf-8"?>
+<p:sld xmlns:a="http://schemas.openxmlformats.org/drawingml/2006/main" xmlns:r="http://schemas.openxmlformats.org/officeDocument/2006/relationships" xmlns:p="http://schemas.openxmlformats.org/presentationml/2006/main">
+  <p:cSld>
+    <p:spTree>
+      <p:nvGrpSpPr>
+        <p:cNvPr id="1" name=""/>
+        <p:cNvGrpSpPr/>
+        <p:nvPr/>
+      </p:nvGrpSpPr>
+      <p:grpSpPr>
+        <a:xfrm>
+          <a:off x="0" y="0"/>
+          <a:ext cx="0" cy="0"/>
+          <a:chOff x="0" y="0"/>
+          <a:chExt cx="0" cy="0"/>
+        </a:xfrm>
+      </p:grpSpPr>
+      <p:sp>
+        <p:nvSpPr>
+          <p:cNvPr id="2" name="CaixaDeTexto 1">
+            <a:extLst>
+              <a:ext uri="{FF2B5EF4-FFF2-40B4-BE49-F238E27FC236}">
+                <a16:creationId xmlns:a16="http://schemas.microsoft.com/office/drawing/2014/main" id="{3B312FDC-516D-4DC9-9F35-740B34D4B424}"/>
+              </a:ext>
+            </a:extLst>
+          </p:cNvPr>
+          <p:cNvSpPr txBox="1"/>
+          <p:nvPr/>
+        </p:nvSpPr>
+        <p:spPr>
+          <a:xfrm>
+            <a:off x="746760" y="1163955"/>
+            <a:ext cx="7772400" cy="3046988"/>
+          </a:xfrm>
+          <a:prstGeom prst="rect">
+            <a:avLst/>
+          </a:prstGeom>
+          <a:noFill/>
+        </p:spPr>
+        <p:txBody>
+          <a:bodyPr wrap="square" rtlCol="0">
+            <a:spAutoFit/>
+          </a:bodyPr>
+          <a:lstStyle/>
+          <a:p>
+            <a:pPr algn="just"/>
+            <a:r>
+              <a:rPr lang="en-US" sz="3200" i="1" dirty="0">
+                <a:latin typeface="Times New Roman" panose="02020603050405020304" pitchFamily="18" charset="0"/>
+                <a:cs typeface="Times New Roman" panose="02020603050405020304" pitchFamily="18" charset="0"/>
+              </a:rPr>
+              <a:t>Lim 1/x           			Lim 1/x</a:t>
+            </a:r>
+          </a:p>
+          <a:p>
+            <a:pPr algn="just"/>
+            <a:r>
+              <a:rPr lang="en-US" sz="3200" i="1" dirty="0">
+                <a:latin typeface="Times New Roman" panose="02020603050405020304" pitchFamily="18" charset="0"/>
+                <a:cs typeface="Times New Roman" panose="02020603050405020304" pitchFamily="18" charset="0"/>
+              </a:rPr>
+              <a:t>x-&gt;3               			x-&gt;+</a:t>
+            </a:r>
+            <a:r>
+              <a:rPr lang="en-US" sz="3200" i="1" dirty="0" err="1">
+                <a:latin typeface="Times New Roman" panose="02020603050405020304" pitchFamily="18" charset="0"/>
+                <a:cs typeface="Times New Roman" panose="02020603050405020304" pitchFamily="18" charset="0"/>
+              </a:rPr>
+              <a:t>infinito</a:t>
+            </a:r>
+            <a:endParaRPr lang="en-US" sz="3200" i="1" dirty="0">
+              <a:latin typeface="Times New Roman" panose="02020603050405020304" pitchFamily="18" charset="0"/>
+              <a:cs typeface="Times New Roman" panose="02020603050405020304" pitchFamily="18" charset="0"/>
+            </a:endParaRPr>
+          </a:p>
+          <a:p>
+            <a:pPr algn="just"/>
+            <a:endParaRPr lang="en-US" sz="3200" i="1" dirty="0">
+              <a:latin typeface="Times New Roman" panose="02020603050405020304" pitchFamily="18" charset="0"/>
+              <a:cs typeface="Times New Roman" panose="02020603050405020304" pitchFamily="18" charset="0"/>
+            </a:endParaRPr>
+          </a:p>
+          <a:p>
+            <a:pPr algn="just"/>
+            <a:endParaRPr lang="en-US" sz="3200" i="1" dirty="0">
+              <a:latin typeface="Times New Roman" panose="02020603050405020304" pitchFamily="18" charset="0"/>
+              <a:cs typeface="Times New Roman" panose="02020603050405020304" pitchFamily="18" charset="0"/>
+            </a:endParaRPr>
+          </a:p>
+          <a:p>
+            <a:pPr algn="just"/>
+            <a:r>
+              <a:rPr lang="en-US" sz="3200" i="1" dirty="0">
+                <a:latin typeface="Times New Roman" panose="02020603050405020304" pitchFamily="18" charset="0"/>
+                <a:cs typeface="Times New Roman" panose="02020603050405020304" pitchFamily="18" charset="0"/>
+              </a:rPr>
+              <a:t>Lim  x^3-1/x-1            Lim sin 2x /x</a:t>
+            </a:r>
+          </a:p>
+          <a:p>
+            <a:pPr algn="just"/>
+            <a:r>
+              <a:rPr lang="en-US" sz="3200" i="1" dirty="0">
+                <a:latin typeface="Times New Roman" panose="02020603050405020304" pitchFamily="18" charset="0"/>
+                <a:cs typeface="Times New Roman" panose="02020603050405020304" pitchFamily="18" charset="0"/>
+              </a:rPr>
+              <a:t>x-&gt;1							x-&gt; pi/6</a:t>
+            </a:r>
+          </a:p>
+        </p:txBody>
+      </p:sp>
+      <p:sp>
+        <p:nvSpPr>
+          <p:cNvPr id="3" name="CaixaDeTexto 2">
+            <a:extLst>
+              <a:ext uri="{FF2B5EF4-FFF2-40B4-BE49-F238E27FC236}">
+                <a16:creationId xmlns:a16="http://schemas.microsoft.com/office/drawing/2014/main" id="{710F7D0F-3E3A-4BC1-B9EC-B4AA23078005}"/>
+              </a:ext>
+            </a:extLst>
+          </p:cNvPr>
+          <p:cNvSpPr txBox="1"/>
+          <p:nvPr/>
+        </p:nvSpPr>
+        <p:spPr>
+          <a:xfrm>
+            <a:off x="533400" y="457200"/>
+            <a:ext cx="8001000" cy="706755"/>
+          </a:xfrm>
+          <a:prstGeom prst="rect">
+            <a:avLst/>
+          </a:prstGeom>
+          <a:noFill/>
+        </p:spPr>
+        <p:txBody>
+          <a:bodyPr wrap="square" rtlCol="0">
+            <a:spAutoFit/>
+          </a:bodyPr>
+          <a:lstStyle/>
+          <a:p>
+            <a:pPr algn="ctr"/>
+            <a:r>
+              <a:rPr lang="en-US" sz="4000" dirty="0" err="1">
+                <a:latin typeface="Times New Roman" panose="02020603050405020304" pitchFamily="18" charset="0"/>
+                <a:cs typeface="Times New Roman" panose="02020603050405020304" pitchFamily="18" charset="0"/>
+              </a:rPr>
+              <a:t>Sobre</a:t>
+            </a:r>
+            <a:r>
+              <a:rPr lang="en-US" sz="4000" dirty="0">
+                <a:latin typeface="Times New Roman" panose="02020603050405020304" pitchFamily="18" charset="0"/>
+                <a:cs typeface="Times New Roman" panose="02020603050405020304" pitchFamily="18" charset="0"/>
+              </a:rPr>
+              <a:t> </a:t>
+            </a:r>
+            <a:r>
+              <a:rPr lang="pt-BR" altLang="en-US" sz="4000" dirty="0">
+                <a:latin typeface="Times New Roman" panose="02020603050405020304" pitchFamily="18" charset="0"/>
+                <a:cs typeface="Times New Roman" panose="02020603050405020304" pitchFamily="18" charset="0"/>
+              </a:rPr>
+              <a:t>Cálculo Diferencial e Integral</a:t>
+            </a:r>
+          </a:p>
+        </p:txBody>
+      </p:sp>
+    </p:spTree>
+    <p:extLst>
+      <p:ext uri="{BB962C8B-B14F-4D97-AF65-F5344CB8AC3E}">
+        <p14:creationId xmlns:p14="http://schemas.microsoft.com/office/powerpoint/2010/main" val="824540485"/>
+      </p:ext>
+    </p:extLst>
+  </p:cSld>
+  <p:clrMapOvr>
+    <a:masterClrMapping/>
+  </p:clrMapOvr>
+</p:sld>
+</file>
+
+<file path=ppt/slides/slide34.xml><?xml version="1.0" encoding="utf-8"?>
+<p:sld xmlns:a="http://schemas.openxmlformats.org/drawingml/2006/main" xmlns:r="http://schemas.openxmlformats.org/officeDocument/2006/relationships" xmlns:p="http://schemas.openxmlformats.org/presentationml/2006/main">
+  <p:cSld>
+    <p:spTree>
+      <p:nvGrpSpPr>
+        <p:cNvPr id="1" name=""/>
+        <p:cNvGrpSpPr/>
+        <p:nvPr/>
+      </p:nvGrpSpPr>
+      <p:grpSpPr>
+        <a:xfrm>
+          <a:off x="0" y="0"/>
+          <a:ext cx="0" cy="0"/>
+          <a:chOff x="0" y="0"/>
+          <a:chExt cx="0" cy="0"/>
+        </a:xfrm>
+      </p:grpSpPr>
+      <p:pic>
+        <p:nvPicPr>
+          <p:cNvPr id="144" name="Image"/>
+          <p:cNvPicPr>
+            <a:picLocks noChangeAspect="1"/>
+          </p:cNvPicPr>
+          <p:nvPr/>
+        </p:nvPicPr>
+        <p:blipFill>
+          <a:blip r:embed="rId2">
+            <a:extLst>
+              <a:ext uri="{28A0092B-C50C-407E-A947-70E740481C1C}">
+                <a14:useLocalDpi xmlns:a14="http://schemas.microsoft.com/office/drawing/2010/main" val="0"/>
+              </a:ext>
+            </a:extLst>
+          </a:blip>
+          <a:stretch>
+            <a:fillRect/>
+          </a:stretch>
+        </p:blipFill>
+        <p:spPr>
+          <a:xfrm>
+            <a:off x="0" y="0"/>
+            <a:ext cx="9144000" cy="6858000"/>
+          </a:xfrm>
+          <a:prstGeom prst="rect">
+            <a:avLst/>
+          </a:prstGeom>
+        </p:spPr>
+      </p:pic>
+      <p:pic>
+        <p:nvPicPr>
+          <p:cNvPr id="145" name="Image"/>
+          <p:cNvPicPr>
+            <a:picLocks noChangeAspect="1"/>
+          </p:cNvPicPr>
+          <p:nvPr/>
+        </p:nvPicPr>
+        <p:blipFill>
+          <a:blip r:embed="rId3">
+            <a:extLst>
+              <a:ext uri="{28A0092B-C50C-407E-A947-70E740481C1C}">
+                <a14:useLocalDpi xmlns:a14="http://schemas.microsoft.com/office/drawing/2010/main" val="0"/>
+              </a:ext>
+            </a:extLst>
+          </a:blip>
+          <a:stretch>
+            <a:fillRect/>
+          </a:stretch>
+        </p:blipFill>
+        <p:spPr>
+          <a:xfrm>
+            <a:off x="7356366" y="6755100"/>
+            <a:ext cx="893699" cy="102900"/>
+          </a:xfrm>
+          <a:prstGeom prst="rect">
+            <a:avLst/>
+          </a:prstGeom>
+        </p:spPr>
+      </p:pic>
+      <p:pic>
+        <p:nvPicPr>
+          <p:cNvPr id="146" name="Image"/>
+          <p:cNvPicPr>
+            <a:picLocks noChangeAspect="1"/>
+          </p:cNvPicPr>
+          <p:nvPr/>
+        </p:nvPicPr>
+        <p:blipFill>
+          <a:blip r:embed="rId4">
+            <a:extLst>
+              <a:ext uri="{28A0092B-C50C-407E-A947-70E740481C1C}">
+                <a14:useLocalDpi xmlns:a14="http://schemas.microsoft.com/office/drawing/2010/main" val="0"/>
+              </a:ext>
+            </a:extLst>
+          </a:blip>
+          <a:stretch>
+            <a:fillRect/>
+          </a:stretch>
+        </p:blipFill>
+        <p:spPr>
+          <a:xfrm>
+            <a:off x="8250312" y="6755100"/>
+            <a:ext cx="893688" cy="102900"/>
+          </a:xfrm>
+          <a:prstGeom prst="rect">
+            <a:avLst/>
+          </a:prstGeom>
+        </p:spPr>
+      </p:pic>
+      <p:pic>
+        <p:nvPicPr>
+          <p:cNvPr id="147" name="Image"/>
+          <p:cNvPicPr>
+            <a:picLocks noChangeAspect="1"/>
+          </p:cNvPicPr>
+          <p:nvPr/>
+        </p:nvPicPr>
+        <p:blipFill>
+          <a:blip r:embed="rId5">
+            <a:extLst>
+              <a:ext uri="{28A0092B-C50C-407E-A947-70E740481C1C}">
+                <a14:useLocalDpi xmlns:a14="http://schemas.microsoft.com/office/drawing/2010/main" val="0"/>
+              </a:ext>
+            </a:extLst>
+          </a:blip>
+          <a:stretch>
+            <a:fillRect/>
+          </a:stretch>
+        </p:blipFill>
+        <p:spPr>
+          <a:xfrm>
+            <a:off x="0" y="6755100"/>
+            <a:ext cx="893699" cy="102900"/>
+          </a:xfrm>
+          <a:prstGeom prst="rect">
+            <a:avLst/>
+          </a:prstGeom>
+        </p:spPr>
+      </p:pic>
+      <p:pic>
+        <p:nvPicPr>
+          <p:cNvPr id="148" name="Image"/>
+          <p:cNvPicPr>
+            <a:picLocks noChangeAspect="1"/>
+          </p:cNvPicPr>
+          <p:nvPr/>
+        </p:nvPicPr>
+        <p:blipFill>
+          <a:blip r:embed="rId6">
+            <a:extLst>
+              <a:ext uri="{28A0092B-C50C-407E-A947-70E740481C1C}">
+                <a14:useLocalDpi xmlns:a14="http://schemas.microsoft.com/office/drawing/2010/main" val="0"/>
+              </a:ext>
+            </a:extLst>
+          </a:blip>
+          <a:stretch>
+            <a:fillRect/>
+          </a:stretch>
+        </p:blipFill>
+        <p:spPr>
+          <a:xfrm>
+            <a:off x="893709" y="6755100"/>
+            <a:ext cx="6462600" cy="102900"/>
+          </a:xfrm>
+          <a:prstGeom prst="rect">
+            <a:avLst/>
+          </a:prstGeom>
+        </p:spPr>
+      </p:pic>
+      <p:pic>
+        <p:nvPicPr>
+          <p:cNvPr id="149" name="Image"/>
+          <p:cNvPicPr>
+            <a:picLocks noChangeAspect="1"/>
+          </p:cNvPicPr>
+          <p:nvPr/>
+        </p:nvPicPr>
+        <p:blipFill>
+          <a:blip r:embed="rId7">
+            <a:extLst>
+              <a:ext uri="{28A0092B-C50C-407E-A947-70E740481C1C}">
+                <a14:useLocalDpi xmlns:a14="http://schemas.microsoft.com/office/drawing/2010/main" val="0"/>
+              </a:ext>
+            </a:extLst>
+          </a:blip>
+          <a:stretch>
+            <a:fillRect/>
+          </a:stretch>
+        </p:blipFill>
+        <p:spPr>
+          <a:xfrm>
+            <a:off x="893700" y="274650"/>
+            <a:ext cx="6462600" cy="1143000"/>
+          </a:xfrm>
+          <a:prstGeom prst="rect">
+            <a:avLst/>
+          </a:prstGeom>
+        </p:spPr>
+      </p:pic>
+      <p:sp>
+        <p:nvSpPr>
+          <p:cNvPr id="2" name="text 1"/>
+          <p:cNvSpPr txBox="1"/>
+          <p:nvPr/>
+        </p:nvSpPr>
+        <p:spPr>
+          <a:xfrm>
+            <a:off x="979425" y="895679"/>
+            <a:ext cx="4178935" cy="461645"/>
+          </a:xfrm>
+          <a:prstGeom prst="rect">
+            <a:avLst/>
+          </a:prstGeom>
+        </p:spPr>
+        <p:txBody>
+          <a:bodyPr vert="horz" wrap="none" lIns="0" tIns="0" rIns="0" bIns="0" rtlCol="0">
+            <a:spAutoFit/>
+          </a:bodyPr>
+          <a:lstStyle/>
+          <a:p>
+            <a:pPr marL="0">
+              <a:lnSpc>
+                <a:spcPct val="100000"/>
+              </a:lnSpc>
+            </a:pPr>
+            <a:r>
+              <a:rPr sz="3000" b="1" spc="10" dirty="0">
+                <a:solidFill>
+                  <a:srgbClr val="97ABBC"/>
+                </a:solidFill>
+                <a:latin typeface="Arial" panose="020B0604020202020204"/>
+                <a:cs typeface="Arial" panose="020B0604020202020204"/>
+              </a:rPr>
+              <a:t>Material complementar</a:t>
+            </a:r>
+            <a:endParaRPr sz="3000" b="1">
+              <a:latin typeface="Arial" panose="020B0604020202020204"/>
+              <a:cs typeface="Arial" panose="020B0604020202020204"/>
+            </a:endParaRPr>
+          </a:p>
+        </p:txBody>
+      </p:sp>
+      <p:pic>
+        <p:nvPicPr>
+          <p:cNvPr id="150" name="Image"/>
+          <p:cNvPicPr>
+            <a:picLocks noChangeAspect="1"/>
+          </p:cNvPicPr>
+          <p:nvPr/>
+        </p:nvPicPr>
+        <p:blipFill>
+          <a:blip r:embed="rId8">
+            <a:extLst>
+              <a:ext uri="{28A0092B-C50C-407E-A947-70E740481C1C}">
+                <a14:useLocalDpi xmlns:a14="http://schemas.microsoft.com/office/drawing/2010/main" val="0"/>
+              </a:ext>
+            </a:extLst>
+          </a:blip>
+          <a:stretch>
+            <a:fillRect/>
+          </a:stretch>
+        </p:blipFill>
+        <p:spPr>
+          <a:xfrm>
+            <a:off x="893700" y="1973225"/>
+            <a:ext cx="6462600" cy="4736400"/>
+          </a:xfrm>
+          <a:prstGeom prst="rect">
+            <a:avLst/>
+          </a:prstGeom>
+        </p:spPr>
+      </p:pic>
+      <p:sp>
+        <p:nvSpPr>
+          <p:cNvPr id="3" name="text 1"/>
+          <p:cNvSpPr txBox="1"/>
+          <p:nvPr/>
+        </p:nvSpPr>
+        <p:spPr>
+          <a:xfrm>
+            <a:off x="1069949" y="2170583"/>
+            <a:ext cx="5668645" cy="276860"/>
+          </a:xfrm>
+          <a:prstGeom prst="rect">
+            <a:avLst/>
+          </a:prstGeom>
+        </p:spPr>
+        <p:txBody>
+          <a:bodyPr vert="horz" wrap="none" lIns="0" tIns="0" rIns="0" bIns="0" rtlCol="0">
+            <a:spAutoFit/>
+          </a:bodyPr>
+          <a:lstStyle/>
+          <a:p>
+            <a:pPr marL="0">
+              <a:lnSpc>
+                <a:spcPct val="100000"/>
+              </a:lnSpc>
+            </a:pPr>
+            <a:r>
+              <a:rPr spc="10" dirty="0">
+                <a:solidFill>
+                  <a:srgbClr val="677480"/>
+                </a:solidFill>
+                <a:latin typeface="Arial" panose="020B0604020202020204"/>
+                <a:cs typeface="Arial" panose="020B0604020202020204"/>
+              </a:rPr>
+              <a:t>●   Texto: Por que programar é o novo ‘aprender inglês’</a:t>
+            </a:r>
+          </a:p>
+        </p:txBody>
+      </p:sp>
+      <p:sp>
+        <p:nvSpPr>
+          <p:cNvPr id="4" name="text 1"/>
+          <p:cNvSpPr txBox="1"/>
+          <p:nvPr/>
+        </p:nvSpPr>
+        <p:spPr>
+          <a:xfrm>
+            <a:off x="1527149" y="2580158"/>
+            <a:ext cx="5500370" cy="276860"/>
+          </a:xfrm>
+          <a:prstGeom prst="rect">
+            <a:avLst/>
+          </a:prstGeom>
+        </p:spPr>
+        <p:txBody>
+          <a:bodyPr vert="horz" wrap="none" lIns="0" tIns="0" rIns="0" bIns="0" rtlCol="0">
+            <a:spAutoFit/>
+          </a:bodyPr>
+          <a:lstStyle/>
+          <a:p>
+            <a:pPr marL="0">
+              <a:lnSpc>
+                <a:spcPct val="100000"/>
+              </a:lnSpc>
+            </a:pPr>
+            <a:r>
+              <a:rPr spc="10" dirty="0">
+                <a:solidFill>
+                  <a:srgbClr val="677480"/>
+                </a:solidFill>
+                <a:latin typeface="Arial" panose="020B0604020202020204"/>
+                <a:cs typeface="Arial" panose="020B0604020202020204"/>
+              </a:rPr>
+              <a:t>○   </a:t>
+            </a:r>
+            <a:r>
+              <a:rPr spc="10" dirty="0">
+                <a:solidFill>
+                  <a:srgbClr val="1155CC"/>
+                </a:solidFill>
+                <a:latin typeface="Arial" panose="020B0604020202020204"/>
+                <a:cs typeface="Arial" panose="020B0604020202020204"/>
+              </a:rPr>
+              <a:t>https://www.nexojornal.com.br/expresso/2017/04/0</a:t>
+            </a:r>
+            <a:endParaRPr>
+              <a:latin typeface="Arial" panose="020B0604020202020204"/>
+              <a:cs typeface="Arial" panose="020B0604020202020204"/>
+            </a:endParaRPr>
+          </a:p>
+        </p:txBody>
+      </p:sp>
+      <p:pic>
+        <p:nvPicPr>
+          <p:cNvPr id="151" name="Image">
+            <a:hlinkClick r:id="rId9"/>
+          </p:cNvPr>
+          <p:cNvPicPr>
+            <a:picLocks noChangeAspect="1"/>
+          </p:cNvPicPr>
+          <p:nvPr/>
+        </p:nvPicPr>
+        <p:blipFill>
+          <a:blip r:embed="rId10">
+            <a:extLst>
+              <a:ext uri="{28A0092B-C50C-407E-A947-70E740481C1C}">
+                <a14:useLocalDpi xmlns:a14="http://schemas.microsoft.com/office/drawing/2010/main" val="0"/>
+              </a:ext>
+            </a:extLst>
+          </a:blip>
+          <a:stretch>
+            <a:fillRect/>
+          </a:stretch>
+        </p:blipFill>
+        <p:spPr>
+          <a:xfrm>
+            <a:off x="1893825" y="2782469"/>
+            <a:ext cx="5299214" cy="13716"/>
+          </a:xfrm>
+          <a:prstGeom prst="rect">
+            <a:avLst/>
+          </a:prstGeom>
+        </p:spPr>
+      </p:pic>
+      <p:sp>
+        <p:nvSpPr>
+          <p:cNvPr id="5" name="text 1"/>
+          <p:cNvSpPr txBox="1"/>
+          <p:nvPr/>
+        </p:nvSpPr>
+        <p:spPr>
+          <a:xfrm>
+            <a:off x="1893825" y="2989733"/>
+            <a:ext cx="5392420" cy="276860"/>
+          </a:xfrm>
+          <a:prstGeom prst="rect">
+            <a:avLst/>
+          </a:prstGeom>
+        </p:spPr>
+        <p:txBody>
+          <a:bodyPr vert="horz" wrap="none" lIns="0" tIns="0" rIns="0" bIns="0" rtlCol="0">
+            <a:spAutoFit/>
+          </a:bodyPr>
+          <a:lstStyle/>
+          <a:p>
+            <a:pPr marL="0">
+              <a:lnSpc>
+                <a:spcPct val="100000"/>
+              </a:lnSpc>
+            </a:pPr>
+            <a:r>
+              <a:rPr spc="10" dirty="0">
+                <a:solidFill>
+                  <a:srgbClr val="1155CC"/>
+                </a:solidFill>
+                <a:latin typeface="Arial" panose="020B0604020202020204"/>
+                <a:cs typeface="Arial" panose="020B0604020202020204"/>
+              </a:rPr>
+              <a:t>2/Por-que-programar-%C3%A9-o-novo-aprender-ing</a:t>
+            </a:r>
+          </a:p>
+        </p:txBody>
+      </p:sp>
+      <p:pic>
+        <p:nvPicPr>
+          <p:cNvPr id="153" name="Image">
+            <a:hlinkClick r:id="rId9"/>
+          </p:cNvPr>
+          <p:cNvPicPr>
+            <a:picLocks noChangeAspect="1"/>
+          </p:cNvPicPr>
+          <p:nvPr/>
+        </p:nvPicPr>
+        <p:blipFill>
+          <a:blip r:embed="rId11">
+            <a:extLst>
+              <a:ext uri="{28A0092B-C50C-407E-A947-70E740481C1C}">
+                <a14:useLocalDpi xmlns:a14="http://schemas.microsoft.com/office/drawing/2010/main" val="0"/>
+              </a:ext>
+            </a:extLst>
+          </a:blip>
+          <a:stretch>
+            <a:fillRect/>
+          </a:stretch>
+        </p:blipFill>
+        <p:spPr>
+          <a:xfrm>
+            <a:off x="1893825" y="3192044"/>
+            <a:ext cx="5357967" cy="13716"/>
+          </a:xfrm>
+          <a:prstGeom prst="rect">
+            <a:avLst/>
+          </a:prstGeom>
+        </p:spPr>
+      </p:pic>
+      <p:sp>
+        <p:nvSpPr>
+          <p:cNvPr id="6" name="text 1"/>
+          <p:cNvSpPr txBox="1"/>
+          <p:nvPr/>
+        </p:nvSpPr>
+        <p:spPr>
+          <a:xfrm>
+            <a:off x="1893825" y="3399308"/>
+            <a:ext cx="1178560" cy="276860"/>
+          </a:xfrm>
+          <a:prstGeom prst="rect">
+            <a:avLst/>
+          </a:prstGeom>
+        </p:spPr>
+        <p:txBody>
+          <a:bodyPr vert="horz" wrap="none" lIns="0" tIns="0" rIns="0" bIns="0" rtlCol="0">
+            <a:spAutoFit/>
+          </a:bodyPr>
+          <a:lstStyle/>
+          <a:p>
+            <a:pPr marL="0">
+              <a:lnSpc>
+                <a:spcPct val="100000"/>
+              </a:lnSpc>
+            </a:pPr>
+            <a:r>
+              <a:rPr spc="10" dirty="0">
+                <a:solidFill>
+                  <a:srgbClr val="1155CC"/>
+                </a:solidFill>
+                <a:latin typeface="Arial" panose="020B0604020202020204"/>
+                <a:cs typeface="Arial" panose="020B0604020202020204"/>
+              </a:rPr>
+              <a:t>l%C3%AAs</a:t>
+            </a:r>
+          </a:p>
+        </p:txBody>
+      </p:sp>
+      <p:pic>
+        <p:nvPicPr>
+          <p:cNvPr id="155" name="Image">
+            <a:hlinkClick r:id="rId9"/>
+          </p:cNvPr>
+          <p:cNvPicPr>
+            <a:picLocks noChangeAspect="1"/>
+          </p:cNvPicPr>
+          <p:nvPr/>
+        </p:nvPicPr>
+        <p:blipFill>
+          <a:blip r:embed="rId12">
+            <a:extLst>
+              <a:ext uri="{28A0092B-C50C-407E-A947-70E740481C1C}">
+                <a14:useLocalDpi xmlns:a14="http://schemas.microsoft.com/office/drawing/2010/main" val="0"/>
+              </a:ext>
+            </a:extLst>
+          </a:blip>
+          <a:stretch>
+            <a:fillRect/>
+          </a:stretch>
+        </p:blipFill>
+        <p:spPr>
+          <a:xfrm>
+            <a:off x="1893825" y="3601619"/>
+            <a:ext cx="1117175" cy="13716"/>
+          </a:xfrm>
+          <a:prstGeom prst="rect">
+            <a:avLst/>
+          </a:prstGeom>
+        </p:spPr>
+      </p:pic>
+      <p:sp>
+        <p:nvSpPr>
+          <p:cNvPr id="7" name="text 1"/>
+          <p:cNvSpPr txBox="1"/>
+          <p:nvPr/>
+        </p:nvSpPr>
+        <p:spPr>
+          <a:xfrm>
+            <a:off x="1069949" y="3808883"/>
+            <a:ext cx="5960745" cy="276860"/>
+          </a:xfrm>
+          <a:prstGeom prst="rect">
+            <a:avLst/>
+          </a:prstGeom>
+        </p:spPr>
+        <p:txBody>
+          <a:bodyPr vert="horz" wrap="none" lIns="0" tIns="0" rIns="0" bIns="0" rtlCol="0">
+            <a:spAutoFit/>
+          </a:bodyPr>
+          <a:lstStyle/>
+          <a:p>
+            <a:pPr marL="0">
+              <a:lnSpc>
+                <a:spcPct val="100000"/>
+              </a:lnSpc>
+            </a:pPr>
+            <a:r>
+              <a:rPr spc="10" dirty="0">
+                <a:solidFill>
+                  <a:srgbClr val="677480"/>
+                </a:solidFill>
+                <a:latin typeface="Arial" panose="020B0604020202020204"/>
+                <a:cs typeface="Arial" panose="020B0604020202020204"/>
+              </a:rPr>
+              <a:t>●   Vídeo: Por que todos deveriam aprender a programar?</a:t>
+            </a:r>
+          </a:p>
+        </p:txBody>
+      </p:sp>
+      <p:sp>
+        <p:nvSpPr>
+          <p:cNvPr id="8" name="text 1"/>
+          <p:cNvSpPr txBox="1"/>
+          <p:nvPr/>
+        </p:nvSpPr>
+        <p:spPr>
+          <a:xfrm>
+            <a:off x="1527149" y="4218458"/>
+            <a:ext cx="5513070" cy="276860"/>
+          </a:xfrm>
+          <a:prstGeom prst="rect">
+            <a:avLst/>
+          </a:prstGeom>
+        </p:spPr>
+        <p:txBody>
+          <a:bodyPr vert="horz" wrap="none" lIns="0" tIns="0" rIns="0" bIns="0" rtlCol="0">
+            <a:spAutoFit/>
+          </a:bodyPr>
+          <a:lstStyle/>
+          <a:p>
+            <a:pPr marL="0">
+              <a:lnSpc>
+                <a:spcPct val="100000"/>
+              </a:lnSpc>
+            </a:pPr>
+            <a:r>
+              <a:rPr spc="10" dirty="0">
+                <a:solidFill>
+                  <a:srgbClr val="677480"/>
+                </a:solidFill>
+                <a:latin typeface="Arial" panose="020B0604020202020204"/>
+                <a:cs typeface="Arial" panose="020B0604020202020204"/>
+              </a:rPr>
+              <a:t>○   </a:t>
+            </a:r>
+            <a:r>
+              <a:rPr spc="10" dirty="0">
+                <a:solidFill>
+                  <a:srgbClr val="1155CC"/>
+                </a:solidFill>
+                <a:latin typeface="Arial" panose="020B0604020202020204"/>
+                <a:cs typeface="Arial" panose="020B0604020202020204"/>
+              </a:rPr>
+              <a:t>https://www.youtube.com/watch?v=mHW1Hsqlp6A</a:t>
+            </a:r>
+            <a:endParaRPr>
+              <a:latin typeface="Arial" panose="020B0604020202020204"/>
+              <a:cs typeface="Arial" panose="020B0604020202020204"/>
+            </a:endParaRPr>
+          </a:p>
+        </p:txBody>
+      </p:sp>
+      <p:pic>
+        <p:nvPicPr>
+          <p:cNvPr id="157" name="Image">
+            <a:hlinkClick r:id="rId13"/>
+          </p:cNvPr>
+          <p:cNvPicPr>
+            <a:picLocks noChangeAspect="1"/>
+          </p:cNvPicPr>
+          <p:nvPr/>
+        </p:nvPicPr>
+        <p:blipFill>
+          <a:blip r:embed="rId14">
+            <a:extLst>
+              <a:ext uri="{28A0092B-C50C-407E-A947-70E740481C1C}">
+                <a14:useLocalDpi xmlns:a14="http://schemas.microsoft.com/office/drawing/2010/main" val="0"/>
+              </a:ext>
+            </a:extLst>
+          </a:blip>
+          <a:stretch>
+            <a:fillRect/>
+          </a:stretch>
+        </p:blipFill>
+        <p:spPr>
+          <a:xfrm>
+            <a:off x="1893825" y="4420769"/>
+            <a:ext cx="5260809" cy="13716"/>
+          </a:xfrm>
+          <a:prstGeom prst="rect">
+            <a:avLst/>
+          </a:prstGeom>
+        </p:spPr>
+      </p:pic>
+      <p:pic>
+        <p:nvPicPr>
+          <p:cNvPr id="159" name="Image"/>
+          <p:cNvPicPr>
+            <a:picLocks noChangeAspect="1"/>
+          </p:cNvPicPr>
+          <p:nvPr/>
+        </p:nvPicPr>
+        <p:blipFill>
+          <a:blip r:embed="rId15">
+            <a:extLst>
+              <a:ext uri="{28A0092B-C50C-407E-A947-70E740481C1C}">
+                <a14:useLocalDpi xmlns:a14="http://schemas.microsoft.com/office/drawing/2010/main" val="0"/>
+              </a:ext>
+            </a:extLst>
+          </a:blip>
+          <a:stretch>
+            <a:fillRect/>
+          </a:stretch>
+        </p:blipFill>
+        <p:spPr>
+          <a:xfrm>
+            <a:off x="3815225" y="4592600"/>
+            <a:ext cx="2752821" cy="274320"/>
+          </a:xfrm>
+          <a:prstGeom prst="rect">
+            <a:avLst/>
+          </a:prstGeom>
+        </p:spPr>
+      </p:pic>
+      <p:sp>
+        <p:nvSpPr>
+          <p:cNvPr id="9" name="text 1"/>
+          <p:cNvSpPr txBox="1"/>
+          <p:nvPr/>
+        </p:nvSpPr>
+        <p:spPr>
+          <a:xfrm>
+            <a:off x="1069949" y="4628033"/>
+            <a:ext cx="5767705" cy="276860"/>
+          </a:xfrm>
+          <a:prstGeom prst="rect">
+            <a:avLst/>
+          </a:prstGeom>
+        </p:spPr>
+        <p:txBody>
+          <a:bodyPr vert="horz" wrap="none" lIns="0" tIns="0" rIns="0" bIns="0" rtlCol="0">
+            <a:spAutoFit/>
+          </a:bodyPr>
+          <a:lstStyle/>
+          <a:p>
+            <a:pPr marL="0">
+              <a:lnSpc>
+                <a:spcPct val="100000"/>
+              </a:lnSpc>
+            </a:pPr>
+            <a:r>
+              <a:rPr spc="10" dirty="0">
+                <a:solidFill>
+                  <a:srgbClr val="677480"/>
+                </a:solidFill>
+                <a:latin typeface="Arial" panose="020B0604020202020204"/>
+                <a:cs typeface="Arial" panose="020B0604020202020204"/>
+              </a:rPr>
+              <a:t>●   Vídeo: Curso em Vídeo: Curso Python #01 - Seja um</a:t>
+            </a:r>
+          </a:p>
+        </p:txBody>
+      </p:sp>
+      <p:pic>
+        <p:nvPicPr>
+          <p:cNvPr id="160" name="Image"/>
+          <p:cNvPicPr>
+            <a:picLocks noChangeAspect="1"/>
+          </p:cNvPicPr>
+          <p:nvPr/>
+        </p:nvPicPr>
+        <p:blipFill>
+          <a:blip r:embed="rId16">
+            <a:extLst>
+              <a:ext uri="{28A0092B-C50C-407E-A947-70E740481C1C}">
+                <a14:useLocalDpi xmlns:a14="http://schemas.microsoft.com/office/drawing/2010/main" val="0"/>
+              </a:ext>
+            </a:extLst>
+          </a:blip>
+          <a:stretch>
+            <a:fillRect/>
+          </a:stretch>
+        </p:blipFill>
+        <p:spPr>
+          <a:xfrm>
+            <a:off x="1436625" y="5002175"/>
+            <a:ext cx="1334348" cy="274320"/>
+          </a:xfrm>
+          <a:prstGeom prst="rect">
+            <a:avLst/>
+          </a:prstGeom>
+        </p:spPr>
+      </p:pic>
+      <p:sp>
+        <p:nvSpPr>
+          <p:cNvPr id="10" name="text 1"/>
+          <p:cNvSpPr txBox="1"/>
+          <p:nvPr/>
+        </p:nvSpPr>
+        <p:spPr>
+          <a:xfrm>
+            <a:off x="1436625" y="5037608"/>
+            <a:ext cx="1347470" cy="276860"/>
+          </a:xfrm>
+          <a:prstGeom prst="rect">
+            <a:avLst/>
+          </a:prstGeom>
+        </p:spPr>
+        <p:txBody>
+          <a:bodyPr vert="horz" wrap="none" lIns="0" tIns="0" rIns="0" bIns="0" rtlCol="0">
+            <a:spAutoFit/>
+          </a:bodyPr>
+          <a:lstStyle/>
+          <a:p>
+            <a:pPr marL="0">
+              <a:lnSpc>
+                <a:spcPct val="100000"/>
+              </a:lnSpc>
+            </a:pPr>
+            <a:r>
+              <a:rPr spc="10" dirty="0">
+                <a:solidFill>
+                  <a:srgbClr val="677480"/>
+                </a:solidFill>
+                <a:latin typeface="Arial" panose="020B0604020202020204"/>
+                <a:cs typeface="Arial" panose="020B0604020202020204"/>
+              </a:rPr>
+              <a:t>Programador</a:t>
+            </a:r>
+          </a:p>
+        </p:txBody>
+      </p:sp>
+      <p:pic>
+        <p:nvPicPr>
+          <p:cNvPr id="161" name="Image">
+            <a:hlinkClick r:id="rId17"/>
+          </p:cNvPr>
+          <p:cNvPicPr>
+            <a:picLocks noChangeAspect="1"/>
+          </p:cNvPicPr>
+          <p:nvPr/>
+        </p:nvPicPr>
+        <p:blipFill>
+          <a:blip r:embed="rId18">
+            <a:extLst>
+              <a:ext uri="{28A0092B-C50C-407E-A947-70E740481C1C}">
+                <a14:useLocalDpi xmlns:a14="http://schemas.microsoft.com/office/drawing/2010/main" val="0"/>
+              </a:ext>
+            </a:extLst>
+          </a:blip>
+          <a:stretch>
+            <a:fillRect/>
+          </a:stretch>
+        </p:blipFill>
+        <p:spPr>
+          <a:xfrm>
+            <a:off x="1527149" y="5411750"/>
+            <a:ext cx="5536501" cy="274320"/>
+          </a:xfrm>
+          <a:prstGeom prst="rect">
+            <a:avLst/>
+          </a:prstGeom>
+        </p:spPr>
+      </p:pic>
+      <p:sp>
+        <p:nvSpPr>
+          <p:cNvPr id="11" name="text 1"/>
+          <p:cNvSpPr txBox="1"/>
+          <p:nvPr/>
+        </p:nvSpPr>
+        <p:spPr>
+          <a:xfrm>
+            <a:off x="1527149" y="5447183"/>
+            <a:ext cx="5525770" cy="276860"/>
+          </a:xfrm>
+          <a:prstGeom prst="rect">
+            <a:avLst/>
+          </a:prstGeom>
+        </p:spPr>
+        <p:txBody>
+          <a:bodyPr vert="horz" wrap="none" lIns="0" tIns="0" rIns="0" bIns="0" rtlCol="0">
+            <a:spAutoFit/>
+          </a:bodyPr>
+          <a:lstStyle/>
+          <a:p>
+            <a:pPr marL="0">
+              <a:lnSpc>
+                <a:spcPct val="100000"/>
+              </a:lnSpc>
+            </a:pPr>
+            <a:r>
+              <a:rPr spc="10" dirty="0">
+                <a:solidFill>
+                  <a:srgbClr val="677480"/>
+                </a:solidFill>
+                <a:latin typeface="Arial" panose="020B0604020202020204"/>
+                <a:cs typeface="Arial" panose="020B0604020202020204"/>
+              </a:rPr>
+              <a:t>○   </a:t>
+            </a:r>
+            <a:r>
+              <a:rPr spc="10" dirty="0">
+                <a:solidFill>
+                  <a:srgbClr val="1155CC"/>
+                </a:solidFill>
+                <a:latin typeface="Arial" panose="020B0604020202020204"/>
+                <a:cs typeface="Arial" panose="020B0604020202020204"/>
+              </a:rPr>
+              <a:t>https://www.youtube.com/watch?v=S9uPNppGsGo</a:t>
+            </a:r>
+            <a:endParaRPr>
+              <a:latin typeface="Arial" panose="020B0604020202020204"/>
+              <a:cs typeface="Arial" panose="020B0604020202020204"/>
+            </a:endParaRPr>
+          </a:p>
+        </p:txBody>
+      </p:sp>
+      <p:pic>
+        <p:nvPicPr>
+          <p:cNvPr id="163" name="Image">
+            <a:hlinkClick r:id="rId17"/>
+          </p:cNvPr>
+          <p:cNvPicPr>
+            <a:picLocks noChangeAspect="1"/>
+          </p:cNvPicPr>
+          <p:nvPr/>
+        </p:nvPicPr>
+        <p:blipFill>
+          <a:blip r:embed="rId19">
+            <a:extLst>
+              <a:ext uri="{28A0092B-C50C-407E-A947-70E740481C1C}">
+                <a14:useLocalDpi xmlns:a14="http://schemas.microsoft.com/office/drawing/2010/main" val="0"/>
+              </a:ext>
+            </a:extLst>
+          </a:blip>
+          <a:stretch>
+            <a:fillRect/>
+          </a:stretch>
+        </p:blipFill>
+        <p:spPr>
+          <a:xfrm>
+            <a:off x="1893825" y="5649495"/>
+            <a:ext cx="5169826" cy="13715"/>
+          </a:xfrm>
+          <a:prstGeom prst="rect">
+            <a:avLst/>
+          </a:prstGeom>
+        </p:spPr>
+      </p:pic>
+    </p:spTree>
+  </p:cSld>
+  <p:clrMapOvr>
+    <a:masterClrMapping/>
+  </p:clrMapOvr>
+</p:sld>
+</file>
+
+<file path=ppt/slides/slide35.xml><?xml version="1.0" encoding="utf-8"?>
 <p:sld xmlns:a="http://schemas.openxmlformats.org/drawingml/2006/main" xmlns:r="http://schemas.openxmlformats.org/officeDocument/2006/relationships" xmlns:p="http://schemas.openxmlformats.org/presentationml/2006/main" showMasterSp="0">
   <p:cSld>
     <p:spTree>

--- a/MatematicaPython.pptx
+++ b/MatematicaPython.pptx
@@ -10546,8 +10546,8 @@
         </p:nvSpPr>
         <p:spPr>
           <a:xfrm>
-            <a:off x="793525" y="2727119"/>
-            <a:ext cx="7915628" cy="738664"/>
+            <a:off x="3591636" y="2587904"/>
+            <a:ext cx="1959832" cy="738664"/>
           </a:xfrm>
           <a:prstGeom prst="rect">
             <a:avLst/>
@@ -10572,37 +10572,7 @@
                 <a:latin typeface="Arial" panose="020B0604020202020204"/>
                 <a:cs typeface="Arial" panose="020B0604020202020204"/>
               </a:rPr>
-              <a:t>Cálculo</a:t>
-            </a:r>
-            <a:r>
-              <a:rPr lang="en-US" sz="4800" spc="10" dirty="0">
-                <a:solidFill>
-                  <a:srgbClr val="FFFFFF"/>
-                </a:solidFill>
-                <a:latin typeface="Arial" panose="020B0604020202020204"/>
-                <a:cs typeface="Arial" panose="020B0604020202020204"/>
-              </a:rPr>
-              <a:t> </a:t>
-            </a:r>
-            <a:r>
-              <a:rPr lang="en-US" sz="4800" spc="10" dirty="0" err="1">
-                <a:solidFill>
-                  <a:srgbClr val="FFFFFF"/>
-                </a:solidFill>
-                <a:latin typeface="Arial" panose="020B0604020202020204"/>
-                <a:cs typeface="Arial" panose="020B0604020202020204"/>
-              </a:rPr>
-              <a:t>Diferencial</a:t>
-            </a:r>
-            <a:r>
-              <a:rPr lang="en-US" sz="4800" spc="10" dirty="0">
-                <a:solidFill>
-                  <a:srgbClr val="FFFFFF"/>
-                </a:solidFill>
-                <a:latin typeface="Arial" panose="020B0604020202020204"/>
-                <a:cs typeface="Arial" panose="020B0604020202020204"/>
-              </a:rPr>
-              <a:t> e Integral</a:t>
+              <a:t>Limites</a:t>
             </a:r>
             <a:endParaRPr sz="4800" dirty="0">
               <a:latin typeface="Arial" panose="020B0604020202020204"/>
@@ -11571,22 +11541,12 @@
                 <a:latin typeface="Times New Roman" panose="02020603050405020304" pitchFamily="18" charset="0"/>
                 <a:cs typeface="Times New Roman" panose="02020603050405020304" pitchFamily="18" charset="0"/>
               </a:rPr>
-              <a:t>Sobre</a:t>
-            </a:r>
-            <a:r>
-              <a:rPr lang="en-US" sz="4000" dirty="0">
-                <a:latin typeface="Times New Roman" panose="02020603050405020304" pitchFamily="18" charset="0"/>
-                <a:cs typeface="Times New Roman" panose="02020603050405020304" pitchFamily="18" charset="0"/>
-              </a:rPr>
-              <a:t> </a:t>
-            </a:r>
-            <a:r>
-              <a:rPr lang="pt-BR" altLang="en-US" sz="4000" dirty="0">
-                <a:latin typeface="Times New Roman" panose="02020603050405020304" pitchFamily="18" charset="0"/>
-                <a:cs typeface="Times New Roman" panose="02020603050405020304" pitchFamily="18" charset="0"/>
-              </a:rPr>
-              <a:t>Cálculo Diferencial e Integral</a:t>
-            </a:r>
+              <a:t>Limites</a:t>
+            </a:r>
+            <a:endParaRPr lang="pt-BR" altLang="en-US" sz="4000" dirty="0">
+              <a:latin typeface="Times New Roman" panose="02020603050405020304" pitchFamily="18" charset="0"/>
+              <a:cs typeface="Times New Roman" panose="02020603050405020304" pitchFamily="18" charset="0"/>
+            </a:endParaRPr>
           </a:p>
         </p:txBody>
       </p:sp>
@@ -11987,22 +11947,12 @@
                 <a:latin typeface="Times New Roman" panose="02020603050405020304" pitchFamily="18" charset="0"/>
                 <a:cs typeface="Times New Roman" panose="02020603050405020304" pitchFamily="18" charset="0"/>
               </a:rPr>
-              <a:t>Sobre</a:t>
-            </a:r>
-            <a:r>
-              <a:rPr lang="en-US" sz="4000" dirty="0">
-                <a:latin typeface="Times New Roman" panose="02020603050405020304" pitchFamily="18" charset="0"/>
-                <a:cs typeface="Times New Roman" panose="02020603050405020304" pitchFamily="18" charset="0"/>
-              </a:rPr>
-              <a:t> </a:t>
-            </a:r>
-            <a:r>
-              <a:rPr lang="pt-BR" altLang="en-US" sz="4000" dirty="0">
-                <a:latin typeface="Times New Roman" panose="02020603050405020304" pitchFamily="18" charset="0"/>
-                <a:cs typeface="Times New Roman" panose="02020603050405020304" pitchFamily="18" charset="0"/>
-              </a:rPr>
-              <a:t>Cálculo Diferencial e Integral</a:t>
-            </a:r>
+              <a:t>Limites</a:t>
+            </a:r>
+            <a:endParaRPr lang="pt-BR" altLang="en-US" sz="4000" dirty="0">
+              <a:latin typeface="Times New Roman" panose="02020603050405020304" pitchFamily="18" charset="0"/>
+              <a:cs typeface="Times New Roman" panose="02020603050405020304" pitchFamily="18" charset="0"/>
+            </a:endParaRPr>
           </a:p>
         </p:txBody>
       </p:sp>
@@ -12550,22 +12500,12 @@
                 <a:latin typeface="Times New Roman" panose="02020603050405020304" pitchFamily="18" charset="0"/>
                 <a:cs typeface="Times New Roman" panose="02020603050405020304" pitchFamily="18" charset="0"/>
               </a:rPr>
-              <a:t>Sobre</a:t>
-            </a:r>
-            <a:r>
-              <a:rPr lang="en-US" sz="4000" dirty="0">
-                <a:latin typeface="Times New Roman" panose="02020603050405020304" pitchFamily="18" charset="0"/>
-                <a:cs typeface="Times New Roman" panose="02020603050405020304" pitchFamily="18" charset="0"/>
-              </a:rPr>
-              <a:t> </a:t>
-            </a:r>
-            <a:r>
-              <a:rPr lang="pt-BR" altLang="en-US" sz="4000" dirty="0">
-                <a:latin typeface="Times New Roman" panose="02020603050405020304" pitchFamily="18" charset="0"/>
-                <a:cs typeface="Times New Roman" panose="02020603050405020304" pitchFamily="18" charset="0"/>
-              </a:rPr>
-              <a:t>Cálculo Diferencial e Integral</a:t>
-            </a:r>
+              <a:t>Limites</a:t>
+            </a:r>
+            <a:endParaRPr lang="pt-BR" altLang="en-US" sz="4000" dirty="0">
+              <a:latin typeface="Times New Roman" panose="02020603050405020304" pitchFamily="18" charset="0"/>
+              <a:cs typeface="Times New Roman" panose="02020603050405020304" pitchFamily="18" charset="0"/>
+            </a:endParaRPr>
           </a:p>
         </p:txBody>
       </p:sp>
@@ -12723,26 +12663,16 @@
           <a:p>
             <a:pPr algn="ctr"/>
             <a:r>
-              <a:rPr lang="en-US" sz="4000" dirty="0" err="1">
-                <a:latin typeface="Times New Roman" panose="02020603050405020304" pitchFamily="18" charset="0"/>
-                <a:cs typeface="Times New Roman" panose="02020603050405020304" pitchFamily="18" charset="0"/>
-              </a:rPr>
-              <a:t>Sobre</a:t>
-            </a:r>
-            <a:r>
-              <a:rPr lang="en-US" sz="4000" dirty="0">
-                <a:latin typeface="Times New Roman" panose="02020603050405020304" pitchFamily="18" charset="0"/>
-                <a:cs typeface="Times New Roman" panose="02020603050405020304" pitchFamily="18" charset="0"/>
-              </a:rPr>
-              <a:t> </a:t>
-            </a:r>
-            <a:r>
-              <a:rPr lang="pt-BR" altLang="en-US" sz="4000" dirty="0">
-                <a:latin typeface="Times New Roman" panose="02020603050405020304" pitchFamily="18" charset="0"/>
-                <a:cs typeface="Times New Roman" panose="02020603050405020304" pitchFamily="18" charset="0"/>
-              </a:rPr>
-              <a:t>Cálculo Diferencial e Integral</a:t>
-            </a:r>
+              <a:rPr lang="en-US" altLang="en-US" sz="4000" dirty="0" err="1">
+                <a:latin typeface="Times New Roman" panose="02020603050405020304" pitchFamily="18" charset="0"/>
+                <a:cs typeface="Times New Roman" panose="02020603050405020304" pitchFamily="18" charset="0"/>
+              </a:rPr>
+              <a:t>Limites</a:t>
+            </a:r>
+            <a:endParaRPr lang="pt-BR" altLang="en-US" sz="4000" dirty="0">
+              <a:latin typeface="Times New Roman" panose="02020603050405020304" pitchFamily="18" charset="0"/>
+              <a:cs typeface="Times New Roman" panose="02020603050405020304" pitchFamily="18" charset="0"/>
+            </a:endParaRPr>
           </a:p>
         </p:txBody>
       </p:sp>
